--- a/Images/Figures_PPT/SARPieWithRictor.pptx
+++ b/Images/Figures_PPT/SARPieWithRictor.pptx
@@ -3920,7 +3920,7 @@
           </p:nvSpPr>
           <p:spPr>
             <a:xfrm>
-              <a:off x="4509394" y="2595914"/>
+              <a:off x="4509473" y="2596302"/>
               <a:ext cx="1566579" cy="157737"/>
             </a:xfrm>
             <a:prstGeom prst="rect">
@@ -3966,7 +3966,7 @@
           </p:nvSpPr>
           <p:spPr>
             <a:xfrm>
-              <a:off x="4864781" y="2902298"/>
+              <a:off x="4864859" y="2902686"/>
               <a:ext cx="855806" cy="163560"/>
             </a:xfrm>
             <a:prstGeom prst="rect">
@@ -4012,7 +4012,7 @@
           </p:nvSpPr>
           <p:spPr>
             <a:xfrm>
-              <a:off x="5282506" y="3293578"/>
+              <a:off x="5281474" y="3292555"/>
               <a:ext cx="2036510" cy="157737"/>
             </a:xfrm>
             <a:prstGeom prst="rect">
@@ -4058,7 +4058,7 @@
           </p:nvSpPr>
           <p:spPr>
             <a:xfrm>
-              <a:off x="5872858" y="3599962"/>
+              <a:off x="5871826" y="3598939"/>
               <a:ext cx="855806" cy="163560"/>
             </a:xfrm>
             <a:prstGeom prst="rect">
@@ -4104,7 +4104,7 @@
           </p:nvSpPr>
           <p:spPr>
             <a:xfrm>
-              <a:off x="6371214" y="3854762"/>
+              <a:off x="6371195" y="3854753"/>
               <a:ext cx="1012168" cy="198283"/>
             </a:xfrm>
             <a:prstGeom prst="rect">
@@ -4150,7 +4150,7 @@
           </p:nvSpPr>
           <p:spPr>
             <a:xfrm>
-              <a:off x="6389105" y="4201692"/>
+              <a:off x="6389087" y="4201683"/>
               <a:ext cx="976386" cy="163560"/>
             </a:xfrm>
             <a:prstGeom prst="rect">
@@ -4196,7 +4196,7 @@
           </p:nvSpPr>
           <p:spPr>
             <a:xfrm>
-              <a:off x="4170053" y="5458252"/>
+              <a:off x="4756196" y="4872201"/>
               <a:ext cx="1205158" cy="198283"/>
             </a:xfrm>
             <a:prstGeom prst="rect">
@@ -4242,7 +4242,7 @@
           </p:nvSpPr>
           <p:spPr>
             <a:xfrm>
-              <a:off x="4284439" y="5805182"/>
+              <a:off x="4870583" y="5219130"/>
               <a:ext cx="976386" cy="163560"/>
             </a:xfrm>
             <a:prstGeom prst="rect">
@@ -4288,7 +4288,7 @@
           </p:nvSpPr>
           <p:spPr>
             <a:xfrm>
-              <a:off x="4034651" y="3251690"/>
+              <a:off x="4033791" y="3252436"/>
               <a:ext cx="1156990" cy="198283"/>
             </a:xfrm>
             <a:prstGeom prst="rect">
@@ -4334,7 +4334,7 @@
           </p:nvSpPr>
           <p:spPr>
             <a:xfrm>
-              <a:off x="4124954" y="3598619"/>
+              <a:off x="4124093" y="3599366"/>
               <a:ext cx="976386" cy="163560"/>
             </a:xfrm>
             <a:prstGeom prst="rect">

--- a/Images/Figures_PPT/SARPieWithRictor.pptx
+++ b/Images/Figures_PPT/SARPieWithRictor.pptx
@@ -2299,110 +2299,113 @@
           <p:spPr>
             <a:xfrm>
               <a:off x="5486400" y="1922580"/>
-              <a:ext cx="394487" cy="2396719"/>
+              <a:ext cx="416185" cy="2396719"/>
             </a:xfrm>
             <a:custGeom>
               <a:avLst/>
               <a:pathLst>
-                <a:path w="394487" h="2396719">
+                <a:path w="416185" h="2396719">
                   <a:moveTo>
                     <a:pt x="0" y="2396719"/>
                   </a:moveTo>
                   <a:lnTo>
-                    <a:pt x="13603" y="2315201"/>
-                  </a:lnTo>
-                  <a:lnTo>
-                    <a:pt x="27206" y="2233682"/>
-                  </a:lnTo>
-                  <a:lnTo>
-                    <a:pt x="40809" y="2152164"/>
-                  </a:lnTo>
-                  <a:lnTo>
-                    <a:pt x="54412" y="2070646"/>
-                  </a:lnTo>
-                  <a:lnTo>
-                    <a:pt x="68015" y="1989127"/>
-                  </a:lnTo>
-                  <a:lnTo>
-                    <a:pt x="81618" y="1907609"/>
-                  </a:lnTo>
-                  <a:lnTo>
-                    <a:pt x="95221" y="1826091"/>
-                  </a:lnTo>
-                  <a:lnTo>
-                    <a:pt x="108824" y="1744572"/>
-                  </a:lnTo>
-                  <a:lnTo>
-                    <a:pt x="122427" y="1663054"/>
-                  </a:lnTo>
-                  <a:lnTo>
-                    <a:pt x="136030" y="1581536"/>
-                  </a:lnTo>
-                  <a:lnTo>
-                    <a:pt x="149633" y="1500018"/>
-                  </a:lnTo>
-                  <a:lnTo>
-                    <a:pt x="163236" y="1418499"/>
-                  </a:lnTo>
-                  <a:lnTo>
-                    <a:pt x="176839" y="1336981"/>
-                  </a:lnTo>
-                  <a:lnTo>
-                    <a:pt x="190442" y="1255463"/>
-                  </a:lnTo>
-                  <a:lnTo>
-                    <a:pt x="204045" y="1173944"/>
-                  </a:lnTo>
-                  <a:lnTo>
-                    <a:pt x="217648" y="1092426"/>
-                  </a:lnTo>
-                  <a:lnTo>
-                    <a:pt x="231251" y="1010908"/>
-                  </a:lnTo>
-                  <a:lnTo>
-                    <a:pt x="244854" y="929389"/>
-                  </a:lnTo>
-                  <a:lnTo>
-                    <a:pt x="258457" y="847871"/>
-                  </a:lnTo>
-                  <a:lnTo>
-                    <a:pt x="272060" y="766353"/>
-                  </a:lnTo>
-                  <a:lnTo>
-                    <a:pt x="285663" y="684834"/>
-                  </a:lnTo>
-                  <a:lnTo>
-                    <a:pt x="299266" y="603316"/>
-                  </a:lnTo>
-                  <a:lnTo>
-                    <a:pt x="312869" y="521798"/>
-                  </a:lnTo>
-                  <a:lnTo>
-                    <a:pt x="326472" y="440279"/>
-                  </a:lnTo>
-                  <a:lnTo>
-                    <a:pt x="340075" y="358761"/>
-                  </a:lnTo>
-                  <a:lnTo>
-                    <a:pt x="353678" y="277243"/>
-                  </a:lnTo>
-                  <a:lnTo>
-                    <a:pt x="367281" y="195724"/>
-                  </a:lnTo>
-                  <a:lnTo>
-                    <a:pt x="380884" y="114206"/>
-                  </a:lnTo>
-                  <a:lnTo>
-                    <a:pt x="394487" y="32688"/>
-                  </a:lnTo>
-                  <a:lnTo>
-                    <a:pt x="296456" y="18405"/>
-                  </a:lnTo>
-                  <a:lnTo>
-                    <a:pt x="197919" y="8186"/>
-                  </a:lnTo>
-                  <a:lnTo>
-                    <a:pt x="99044" y="2047"/>
+                    <a:pt x="14351" y="2315329"/>
+                  </a:lnTo>
+                  <a:lnTo>
+                    <a:pt x="28702" y="2233939"/>
+                  </a:lnTo>
+                  <a:lnTo>
+                    <a:pt x="43053" y="2152549"/>
+                  </a:lnTo>
+                  <a:lnTo>
+                    <a:pt x="57404" y="2071159"/>
+                  </a:lnTo>
+                  <a:lnTo>
+                    <a:pt x="71756" y="1989769"/>
+                  </a:lnTo>
+                  <a:lnTo>
+                    <a:pt x="86107" y="1908380"/>
+                  </a:lnTo>
+                  <a:lnTo>
+                    <a:pt x="100458" y="1826990"/>
+                  </a:lnTo>
+                  <a:lnTo>
+                    <a:pt x="114809" y="1745600"/>
+                  </a:lnTo>
+                  <a:lnTo>
+                    <a:pt x="129161" y="1664210"/>
+                  </a:lnTo>
+                  <a:lnTo>
+                    <a:pt x="143512" y="1582820"/>
+                  </a:lnTo>
+                  <a:lnTo>
+                    <a:pt x="157863" y="1501430"/>
+                  </a:lnTo>
+                  <a:lnTo>
+                    <a:pt x="172214" y="1420040"/>
+                  </a:lnTo>
+                  <a:lnTo>
+                    <a:pt x="186566" y="1338650"/>
+                  </a:lnTo>
+                  <a:lnTo>
+                    <a:pt x="200917" y="1257260"/>
+                  </a:lnTo>
+                  <a:lnTo>
+                    <a:pt x="215268" y="1175870"/>
+                  </a:lnTo>
+                  <a:lnTo>
+                    <a:pt x="229619" y="1094480"/>
+                  </a:lnTo>
+                  <a:lnTo>
+                    <a:pt x="243971" y="1013090"/>
+                  </a:lnTo>
+                  <a:lnTo>
+                    <a:pt x="258322" y="931700"/>
+                  </a:lnTo>
+                  <a:lnTo>
+                    <a:pt x="272673" y="850310"/>
+                  </a:lnTo>
+                  <a:lnTo>
+                    <a:pt x="287024" y="768920"/>
+                  </a:lnTo>
+                  <a:lnTo>
+                    <a:pt x="301376" y="687531"/>
+                  </a:lnTo>
+                  <a:lnTo>
+                    <a:pt x="315727" y="606141"/>
+                  </a:lnTo>
+                  <a:lnTo>
+                    <a:pt x="330078" y="524751"/>
+                  </a:lnTo>
+                  <a:lnTo>
+                    <a:pt x="344429" y="443361"/>
+                  </a:lnTo>
+                  <a:lnTo>
+                    <a:pt x="358781" y="361971"/>
+                  </a:lnTo>
+                  <a:lnTo>
+                    <a:pt x="373132" y="280581"/>
+                  </a:lnTo>
+                  <a:lnTo>
+                    <a:pt x="387483" y="199191"/>
+                  </a:lnTo>
+                  <a:lnTo>
+                    <a:pt x="401834" y="117801"/>
+                  </a:lnTo>
+                  <a:lnTo>
+                    <a:pt x="416185" y="36411"/>
+                  </a:lnTo>
+                  <a:lnTo>
+                    <a:pt x="333558" y="23324"/>
+                  </a:lnTo>
+                  <a:lnTo>
+                    <a:pt x="250525" y="13129"/>
+                  </a:lnTo>
+                  <a:lnTo>
+                    <a:pt x="167186" y="5838"/>
+                  </a:lnTo>
+                  <a:lnTo>
+                    <a:pt x="83644" y="1460"/>
                   </a:lnTo>
                   <a:lnTo>
                     <a:pt x="0" y="0"/>
@@ -2524,234 +2527,237 @@
           </p:nvSpPr>
           <p:spPr>
             <a:xfrm>
-              <a:off x="5486400" y="1955269"/>
-              <a:ext cx="1574050" cy="2364031"/>
+              <a:off x="5486400" y="1958992"/>
+              <a:ext cx="1644728" cy="2360308"/>
             </a:xfrm>
             <a:custGeom>
               <a:avLst/>
               <a:pathLst>
-                <a:path w="1574050" h="2364031">
+                <a:path w="1644728" h="2360308">
                   <a:moveTo>
-                    <a:pt x="0" y="2364031"/>
+                    <a:pt x="0" y="2360308"/>
                   </a:moveTo>
                   <a:lnTo>
-                    <a:pt x="54277" y="2301707"/>
-                  </a:lnTo>
-                  <a:lnTo>
-                    <a:pt x="108555" y="2239384"/>
-                  </a:lnTo>
-                  <a:lnTo>
-                    <a:pt x="162832" y="2177060"/>
-                  </a:lnTo>
-                  <a:lnTo>
-                    <a:pt x="217110" y="2114737"/>
-                  </a:lnTo>
-                  <a:lnTo>
-                    <a:pt x="271388" y="2052413"/>
-                  </a:lnTo>
-                  <a:lnTo>
-                    <a:pt x="325665" y="1990090"/>
-                  </a:lnTo>
-                  <a:lnTo>
-                    <a:pt x="379943" y="1927766"/>
-                  </a:lnTo>
-                  <a:lnTo>
-                    <a:pt x="434220" y="1865443"/>
-                  </a:lnTo>
-                  <a:lnTo>
-                    <a:pt x="488498" y="1803119"/>
-                  </a:lnTo>
-                  <a:lnTo>
-                    <a:pt x="542776" y="1740796"/>
-                  </a:lnTo>
-                  <a:lnTo>
-                    <a:pt x="597053" y="1678472"/>
-                  </a:lnTo>
-                  <a:lnTo>
-                    <a:pt x="651331" y="1616149"/>
-                  </a:lnTo>
-                  <a:lnTo>
-                    <a:pt x="705608" y="1553825"/>
-                  </a:lnTo>
-                  <a:lnTo>
-                    <a:pt x="759886" y="1491502"/>
-                  </a:lnTo>
-                  <a:lnTo>
-                    <a:pt x="814164" y="1429178"/>
-                  </a:lnTo>
-                  <a:lnTo>
-                    <a:pt x="868441" y="1366855"/>
-                  </a:lnTo>
-                  <a:lnTo>
-                    <a:pt x="922719" y="1304531"/>
-                  </a:lnTo>
-                  <a:lnTo>
-                    <a:pt x="976996" y="1242208"/>
-                  </a:lnTo>
-                  <a:lnTo>
-                    <a:pt x="1031274" y="1179884"/>
-                  </a:lnTo>
-                  <a:lnTo>
-                    <a:pt x="1085552" y="1117561"/>
-                  </a:lnTo>
-                  <a:lnTo>
-                    <a:pt x="1139829" y="1055237"/>
-                  </a:lnTo>
-                  <a:lnTo>
-                    <a:pt x="1194107" y="992914"/>
-                  </a:lnTo>
-                  <a:lnTo>
-                    <a:pt x="1248384" y="930590"/>
-                  </a:lnTo>
-                  <a:lnTo>
-                    <a:pt x="1302662" y="868266"/>
-                  </a:lnTo>
-                  <a:lnTo>
-                    <a:pt x="1356940" y="805943"/>
-                  </a:lnTo>
-                  <a:lnTo>
-                    <a:pt x="1411217" y="743619"/>
-                  </a:lnTo>
-                  <a:lnTo>
-                    <a:pt x="1465495" y="681296"/>
-                  </a:lnTo>
-                  <a:lnTo>
-                    <a:pt x="1519772" y="618972"/>
-                  </a:lnTo>
-                  <a:lnTo>
-                    <a:pt x="1574050" y="556649"/>
-                  </a:lnTo>
-                  <a:lnTo>
-                    <a:pt x="1510869" y="503510"/>
-                  </a:lnTo>
-                  <a:lnTo>
-                    <a:pt x="1445895" y="452579"/>
-                  </a:lnTo>
-                  <a:lnTo>
-                    <a:pt x="1379206" y="403915"/>
-                  </a:lnTo>
-                  <a:lnTo>
-                    <a:pt x="1310881" y="357578"/>
-                  </a:lnTo>
-                  <a:lnTo>
-                    <a:pt x="1241000" y="313621"/>
-                  </a:lnTo>
-                  <a:lnTo>
-                    <a:pt x="1169647" y="272096"/>
-                  </a:lnTo>
-                  <a:lnTo>
-                    <a:pt x="1096906" y="233054"/>
-                  </a:lnTo>
-                  <a:lnTo>
-                    <a:pt x="1022863" y="196540"/>
-                  </a:lnTo>
-                  <a:lnTo>
-                    <a:pt x="947607" y="162598"/>
-                  </a:lnTo>
-                  <a:lnTo>
-                    <a:pt x="871226" y="131268"/>
-                  </a:lnTo>
-                  <a:lnTo>
-                    <a:pt x="793812" y="102587"/>
-                  </a:lnTo>
-                  <a:lnTo>
-                    <a:pt x="715456" y="76590"/>
-                  </a:lnTo>
-                  <a:lnTo>
-                    <a:pt x="636251" y="53306"/>
-                  </a:lnTo>
-                  <a:lnTo>
-                    <a:pt x="556291" y="32764"/>
-                  </a:lnTo>
-                  <a:lnTo>
-                    <a:pt x="475671" y="14988"/>
-                  </a:lnTo>
-                  <a:lnTo>
-                    <a:pt x="394487" y="0"/>
-                  </a:lnTo>
-                  <a:lnTo>
-                    <a:pt x="380884" y="81518"/>
-                  </a:lnTo>
-                  <a:lnTo>
-                    <a:pt x="367281" y="163036"/>
-                  </a:lnTo>
-                  <a:lnTo>
-                    <a:pt x="353678" y="244554"/>
-                  </a:lnTo>
-                  <a:lnTo>
-                    <a:pt x="340075" y="326073"/>
-                  </a:lnTo>
-                  <a:lnTo>
-                    <a:pt x="326472" y="407591"/>
-                  </a:lnTo>
-                  <a:lnTo>
-                    <a:pt x="312869" y="489109"/>
-                  </a:lnTo>
-                  <a:lnTo>
-                    <a:pt x="299266" y="570628"/>
-                  </a:lnTo>
-                  <a:lnTo>
-                    <a:pt x="285663" y="652146"/>
-                  </a:lnTo>
-                  <a:lnTo>
-                    <a:pt x="272060" y="733664"/>
-                  </a:lnTo>
-                  <a:lnTo>
-                    <a:pt x="258457" y="815183"/>
-                  </a:lnTo>
-                  <a:lnTo>
-                    <a:pt x="244854" y="896701"/>
-                  </a:lnTo>
-                  <a:lnTo>
-                    <a:pt x="231251" y="978219"/>
-                  </a:lnTo>
-                  <a:lnTo>
-                    <a:pt x="217648" y="1059738"/>
-                  </a:lnTo>
-                  <a:lnTo>
-                    <a:pt x="204045" y="1141256"/>
-                  </a:lnTo>
-                  <a:lnTo>
-                    <a:pt x="190442" y="1222774"/>
-                  </a:lnTo>
-                  <a:lnTo>
-                    <a:pt x="176839" y="1304293"/>
-                  </a:lnTo>
-                  <a:lnTo>
-                    <a:pt x="163236" y="1385811"/>
-                  </a:lnTo>
-                  <a:lnTo>
-                    <a:pt x="149633" y="1467329"/>
-                  </a:lnTo>
-                  <a:lnTo>
-                    <a:pt x="136030" y="1548848"/>
-                  </a:lnTo>
-                  <a:lnTo>
-                    <a:pt x="122427" y="1630366"/>
-                  </a:lnTo>
-                  <a:lnTo>
-                    <a:pt x="108824" y="1711884"/>
-                  </a:lnTo>
-                  <a:lnTo>
-                    <a:pt x="95221" y="1793403"/>
-                  </a:lnTo>
-                  <a:lnTo>
-                    <a:pt x="81618" y="1874921"/>
-                  </a:lnTo>
-                  <a:lnTo>
-                    <a:pt x="68015" y="1956439"/>
-                  </a:lnTo>
-                  <a:lnTo>
-                    <a:pt x="54412" y="2037958"/>
-                  </a:lnTo>
-                  <a:lnTo>
-                    <a:pt x="40809" y="2119476"/>
-                  </a:lnTo>
-                  <a:lnTo>
-                    <a:pt x="27206" y="2200994"/>
-                  </a:lnTo>
-                  <a:lnTo>
-                    <a:pt x="13603" y="2282513"/>
+                    <a:pt x="56714" y="2300193"/>
+                  </a:lnTo>
+                  <a:lnTo>
+                    <a:pt x="113429" y="2240079"/>
+                  </a:lnTo>
+                  <a:lnTo>
+                    <a:pt x="170144" y="2179965"/>
+                  </a:lnTo>
+                  <a:lnTo>
+                    <a:pt x="226859" y="2119851"/>
+                  </a:lnTo>
+                  <a:lnTo>
+                    <a:pt x="283573" y="2059737"/>
+                  </a:lnTo>
+                  <a:lnTo>
+                    <a:pt x="340288" y="1999623"/>
+                  </a:lnTo>
+                  <a:lnTo>
+                    <a:pt x="397003" y="1939508"/>
+                  </a:lnTo>
+                  <a:lnTo>
+                    <a:pt x="453718" y="1879394"/>
+                  </a:lnTo>
+                  <a:lnTo>
+                    <a:pt x="510433" y="1819280"/>
+                  </a:lnTo>
+                  <a:lnTo>
+                    <a:pt x="567147" y="1759166"/>
+                  </a:lnTo>
+                  <a:lnTo>
+                    <a:pt x="623862" y="1699052"/>
+                  </a:lnTo>
+                  <a:lnTo>
+                    <a:pt x="680577" y="1638938"/>
+                  </a:lnTo>
+                  <a:lnTo>
+                    <a:pt x="737292" y="1578823"/>
+                  </a:lnTo>
+                  <a:lnTo>
+                    <a:pt x="794007" y="1518709"/>
+                  </a:lnTo>
+                  <a:lnTo>
+                    <a:pt x="850721" y="1458595"/>
+                  </a:lnTo>
+                  <a:lnTo>
+                    <a:pt x="907436" y="1398481"/>
+                  </a:lnTo>
+                  <a:lnTo>
+                    <a:pt x="964151" y="1338367"/>
+                  </a:lnTo>
+                  <a:lnTo>
+                    <a:pt x="1020866" y="1278253"/>
+                  </a:lnTo>
+                  <a:lnTo>
+                    <a:pt x="1077580" y="1218138"/>
+                  </a:lnTo>
+                  <a:lnTo>
+                    <a:pt x="1134295" y="1158024"/>
+                  </a:lnTo>
+                  <a:lnTo>
+                    <a:pt x="1191010" y="1097910"/>
+                  </a:lnTo>
+                  <a:lnTo>
+                    <a:pt x="1247725" y="1037796"/>
+                  </a:lnTo>
+                  <a:lnTo>
+                    <a:pt x="1304440" y="977682"/>
+                  </a:lnTo>
+                  <a:lnTo>
+                    <a:pt x="1361154" y="917568"/>
+                  </a:lnTo>
+                  <a:lnTo>
+                    <a:pt x="1417869" y="857454"/>
+                  </a:lnTo>
+                  <a:lnTo>
+                    <a:pt x="1474584" y="797339"/>
+                  </a:lnTo>
+                  <a:lnTo>
+                    <a:pt x="1531299" y="737225"/>
+                  </a:lnTo>
+                  <a:lnTo>
+                    <a:pt x="1588014" y="677111"/>
+                  </a:lnTo>
+                  <a:lnTo>
+                    <a:pt x="1644728" y="616997"/>
+                  </a:lnTo>
+                  <a:lnTo>
+                    <a:pt x="1584117" y="561742"/>
+                  </a:lnTo>
+                  <a:lnTo>
+                    <a:pt x="1521651" y="508594"/>
+                  </a:lnTo>
+                  <a:lnTo>
+                    <a:pt x="1457403" y="457614"/>
+                  </a:lnTo>
+                  <a:lnTo>
+                    <a:pt x="1391448" y="408863"/>
+                  </a:lnTo>
+                  <a:lnTo>
+                    <a:pt x="1323863" y="362396"/>
+                  </a:lnTo>
+                  <a:lnTo>
+                    <a:pt x="1254729" y="318270"/>
+                  </a:lnTo>
+                  <a:lnTo>
+                    <a:pt x="1184125" y="276534"/>
+                  </a:lnTo>
+                  <a:lnTo>
+                    <a:pt x="1112134" y="237239"/>
+                  </a:lnTo>
+                  <a:lnTo>
+                    <a:pt x="1038841" y="200430"/>
+                  </a:lnTo>
+                  <a:lnTo>
+                    <a:pt x="964332" y="166150"/>
+                  </a:lnTo>
+                  <a:lnTo>
+                    <a:pt x="888693" y="134440"/>
+                  </a:lnTo>
+                  <a:lnTo>
+                    <a:pt x="812014" y="105336"/>
+                  </a:lnTo>
+                  <a:lnTo>
+                    <a:pt x="734383" y="78873"/>
+                  </a:lnTo>
+                  <a:lnTo>
+                    <a:pt x="655893" y="55081"/>
+                  </a:lnTo>
+                  <a:lnTo>
+                    <a:pt x="576635" y="33989"/>
+                  </a:lnTo>
+                  <a:lnTo>
+                    <a:pt x="496701" y="15622"/>
+                  </a:lnTo>
+                  <a:lnTo>
+                    <a:pt x="416185" y="0"/>
+                  </a:lnTo>
+                  <a:lnTo>
+                    <a:pt x="401834" y="81389"/>
+                  </a:lnTo>
+                  <a:lnTo>
+                    <a:pt x="387483" y="162779"/>
+                  </a:lnTo>
+                  <a:lnTo>
+                    <a:pt x="373132" y="244169"/>
+                  </a:lnTo>
+                  <a:lnTo>
+                    <a:pt x="358781" y="325559"/>
+                  </a:lnTo>
+                  <a:lnTo>
+                    <a:pt x="344429" y="406949"/>
+                  </a:lnTo>
+                  <a:lnTo>
+                    <a:pt x="330078" y="488339"/>
+                  </a:lnTo>
+                  <a:lnTo>
+                    <a:pt x="315727" y="569729"/>
+                  </a:lnTo>
+                  <a:lnTo>
+                    <a:pt x="301376" y="651119"/>
+                  </a:lnTo>
+                  <a:lnTo>
+                    <a:pt x="287024" y="732509"/>
+                  </a:lnTo>
+                  <a:lnTo>
+                    <a:pt x="272673" y="813899"/>
+                  </a:lnTo>
+                  <a:lnTo>
+                    <a:pt x="258322" y="895289"/>
+                  </a:lnTo>
+                  <a:lnTo>
+                    <a:pt x="243971" y="976679"/>
+                  </a:lnTo>
+                  <a:lnTo>
+                    <a:pt x="229619" y="1058069"/>
+                  </a:lnTo>
+                  <a:lnTo>
+                    <a:pt x="215268" y="1139459"/>
+                  </a:lnTo>
+                  <a:lnTo>
+                    <a:pt x="200917" y="1220848"/>
+                  </a:lnTo>
+                  <a:lnTo>
+                    <a:pt x="186566" y="1302238"/>
+                  </a:lnTo>
+                  <a:lnTo>
+                    <a:pt x="172214" y="1383628"/>
+                  </a:lnTo>
+                  <a:lnTo>
+                    <a:pt x="157863" y="1465018"/>
+                  </a:lnTo>
+                  <a:lnTo>
+                    <a:pt x="143512" y="1546408"/>
+                  </a:lnTo>
+                  <a:lnTo>
+                    <a:pt x="129161" y="1627798"/>
+                  </a:lnTo>
+                  <a:lnTo>
+                    <a:pt x="114809" y="1709188"/>
+                  </a:lnTo>
+                  <a:lnTo>
+                    <a:pt x="100458" y="1790578"/>
+                  </a:lnTo>
+                  <a:lnTo>
+                    <a:pt x="86107" y="1871968"/>
+                  </a:lnTo>
+                  <a:lnTo>
+                    <a:pt x="71756" y="1953358"/>
+                  </a:lnTo>
+                  <a:lnTo>
+                    <a:pt x="57404" y="2034748"/>
+                  </a:lnTo>
+                  <a:lnTo>
+                    <a:pt x="43053" y="2116138"/>
+                  </a:lnTo>
+                  <a:lnTo>
+                    <a:pt x="28702" y="2197528"/>
+                  </a:lnTo>
+                  <a:lnTo>
+                    <a:pt x="14351" y="2278918"/>
                   </a:lnTo>
                   <a:close/>
                 </a:path>
@@ -2786,264 +2792,267 @@
           </p:nvSpPr>
           <p:spPr>
             <a:xfrm>
-              <a:off x="5486400" y="2511918"/>
-              <a:ext cx="2396671" cy="1873422"/>
+              <a:off x="5486400" y="2575989"/>
+              <a:ext cx="2396519" cy="2021552"/>
             </a:xfrm>
             <a:custGeom>
               <a:avLst/>
               <a:pathLst>
-                <a:path w="2396671" h="1873422">
+                <a:path w="2396519" h="2021552">
                   <a:moveTo>
-                    <a:pt x="0" y="1807382"/>
+                    <a:pt x="0" y="1743310"/>
                   </a:moveTo>
                   <a:lnTo>
-                    <a:pt x="82614" y="1809659"/>
-                  </a:lnTo>
-                  <a:lnTo>
-                    <a:pt x="165228" y="1811936"/>
-                  </a:lnTo>
-                  <a:lnTo>
-                    <a:pt x="247842" y="1814213"/>
-                  </a:lnTo>
-                  <a:lnTo>
-                    <a:pt x="330456" y="1816491"/>
-                  </a:lnTo>
-                  <a:lnTo>
-                    <a:pt x="413070" y="1818768"/>
-                  </a:lnTo>
-                  <a:lnTo>
-                    <a:pt x="495684" y="1821045"/>
-                  </a:lnTo>
-                  <a:lnTo>
-                    <a:pt x="578298" y="1823322"/>
-                  </a:lnTo>
-                  <a:lnTo>
-                    <a:pt x="660912" y="1825600"/>
-                  </a:lnTo>
-                  <a:lnTo>
-                    <a:pt x="743527" y="1827877"/>
-                  </a:lnTo>
-                  <a:lnTo>
-                    <a:pt x="826141" y="1830154"/>
-                  </a:lnTo>
-                  <a:lnTo>
-                    <a:pt x="908755" y="1832431"/>
-                  </a:lnTo>
-                  <a:lnTo>
-                    <a:pt x="991369" y="1834709"/>
-                  </a:lnTo>
-                  <a:lnTo>
-                    <a:pt x="1073983" y="1836986"/>
-                  </a:lnTo>
-                  <a:lnTo>
-                    <a:pt x="1156597" y="1839263"/>
-                  </a:lnTo>
-                  <a:lnTo>
-                    <a:pt x="1239211" y="1841540"/>
-                  </a:lnTo>
-                  <a:lnTo>
-                    <a:pt x="1321825" y="1843817"/>
-                  </a:lnTo>
-                  <a:lnTo>
-                    <a:pt x="1404440" y="1846095"/>
-                  </a:lnTo>
-                  <a:lnTo>
-                    <a:pt x="1487054" y="1848372"/>
-                  </a:lnTo>
-                  <a:lnTo>
-                    <a:pt x="1569668" y="1850649"/>
-                  </a:lnTo>
-                  <a:lnTo>
-                    <a:pt x="1652282" y="1852926"/>
-                  </a:lnTo>
-                  <a:lnTo>
-                    <a:pt x="1734896" y="1855204"/>
-                  </a:lnTo>
-                  <a:lnTo>
-                    <a:pt x="1817510" y="1857481"/>
-                  </a:lnTo>
-                  <a:lnTo>
-                    <a:pt x="1900124" y="1859758"/>
-                  </a:lnTo>
-                  <a:lnTo>
-                    <a:pt x="1982738" y="1862035"/>
-                  </a:lnTo>
-                  <a:lnTo>
-                    <a:pt x="2065353" y="1864313"/>
-                  </a:lnTo>
-                  <a:lnTo>
-                    <a:pt x="2147967" y="1866590"/>
-                  </a:lnTo>
-                  <a:lnTo>
-                    <a:pt x="2230581" y="1868867"/>
-                  </a:lnTo>
-                  <a:lnTo>
-                    <a:pt x="2313195" y="1871144"/>
-                  </a:lnTo>
-                  <a:lnTo>
-                    <a:pt x="2395809" y="1873422"/>
-                  </a:lnTo>
-                  <a:lnTo>
-                    <a:pt x="2396671" y="1792140"/>
-                  </a:lnTo>
-                  <a:lnTo>
-                    <a:pt x="2394775" y="1710875"/>
-                  </a:lnTo>
-                  <a:lnTo>
-                    <a:pt x="2390125" y="1629722"/>
-                  </a:lnTo>
-                  <a:lnTo>
-                    <a:pt x="2382726" y="1548773"/>
-                  </a:lnTo>
-                  <a:lnTo>
-                    <a:pt x="2372586" y="1468122"/>
-                  </a:lnTo>
-                  <a:lnTo>
-                    <a:pt x="2359717" y="1387860"/>
-                  </a:lnTo>
-                  <a:lnTo>
-                    <a:pt x="2344134" y="1308082"/>
-                  </a:lnTo>
-                  <a:lnTo>
-                    <a:pt x="2325854" y="1228877"/>
-                  </a:lnTo>
-                  <a:lnTo>
-                    <a:pt x="2304898" y="1150338"/>
-                  </a:lnTo>
-                  <a:lnTo>
-                    <a:pt x="2281292" y="1072555"/>
-                  </a:lnTo>
-                  <a:lnTo>
-                    <a:pt x="2255061" y="995617"/>
-                  </a:lnTo>
-                  <a:lnTo>
-                    <a:pt x="2226237" y="919613"/>
-                  </a:lnTo>
-                  <a:lnTo>
-                    <a:pt x="2194851" y="844630"/>
-                  </a:lnTo>
-                  <a:lnTo>
-                    <a:pt x="2160941" y="770755"/>
-                  </a:lnTo>
-                  <a:lnTo>
-                    <a:pt x="2124546" y="698072"/>
-                  </a:lnTo>
-                  <a:lnTo>
-                    <a:pt x="2085706" y="626665"/>
-                  </a:lnTo>
-                  <a:lnTo>
-                    <a:pt x="2044467" y="556616"/>
-                  </a:lnTo>
-                  <a:lnTo>
-                    <a:pt x="2000877" y="488005"/>
-                  </a:lnTo>
-                  <a:lnTo>
-                    <a:pt x="1954985" y="420913"/>
-                  </a:lnTo>
-                  <a:lnTo>
-                    <a:pt x="1906844" y="355415"/>
-                  </a:lnTo>
-                  <a:lnTo>
-                    <a:pt x="1856510" y="291587"/>
-                  </a:lnTo>
-                  <a:lnTo>
-                    <a:pt x="1804041" y="229503"/>
-                  </a:lnTo>
-                  <a:lnTo>
-                    <a:pt x="1749496" y="169234"/>
-                  </a:lnTo>
-                  <a:lnTo>
-                    <a:pt x="1692939" y="110850"/>
-                  </a:lnTo>
-                  <a:lnTo>
-                    <a:pt x="1634434" y="54416"/>
-                  </a:lnTo>
-                  <a:lnTo>
-                    <a:pt x="1574050" y="0"/>
-                  </a:lnTo>
-                  <a:lnTo>
-                    <a:pt x="1519772" y="62323"/>
-                  </a:lnTo>
-                  <a:lnTo>
-                    <a:pt x="1465495" y="124647"/>
-                  </a:lnTo>
-                  <a:lnTo>
-                    <a:pt x="1411217" y="186970"/>
-                  </a:lnTo>
-                  <a:lnTo>
-                    <a:pt x="1356940" y="249294"/>
-                  </a:lnTo>
-                  <a:lnTo>
-                    <a:pt x="1302662" y="311617"/>
-                  </a:lnTo>
-                  <a:lnTo>
-                    <a:pt x="1248384" y="373941"/>
-                  </a:lnTo>
-                  <a:lnTo>
-                    <a:pt x="1194107" y="436264"/>
-                  </a:lnTo>
-                  <a:lnTo>
-                    <a:pt x="1139829" y="498588"/>
-                  </a:lnTo>
-                  <a:lnTo>
-                    <a:pt x="1085552" y="560911"/>
-                  </a:lnTo>
-                  <a:lnTo>
-                    <a:pt x="1031274" y="623235"/>
-                  </a:lnTo>
-                  <a:lnTo>
-                    <a:pt x="976996" y="685558"/>
-                  </a:lnTo>
-                  <a:lnTo>
-                    <a:pt x="922719" y="747882"/>
-                  </a:lnTo>
-                  <a:lnTo>
-                    <a:pt x="868441" y="810205"/>
-                  </a:lnTo>
-                  <a:lnTo>
-                    <a:pt x="814164" y="872529"/>
-                  </a:lnTo>
-                  <a:lnTo>
-                    <a:pt x="759886" y="934852"/>
-                  </a:lnTo>
-                  <a:lnTo>
-                    <a:pt x="705608" y="997176"/>
-                  </a:lnTo>
-                  <a:lnTo>
-                    <a:pt x="651331" y="1059499"/>
-                  </a:lnTo>
-                  <a:lnTo>
-                    <a:pt x="597053" y="1121823"/>
-                  </a:lnTo>
-                  <a:lnTo>
-                    <a:pt x="542776" y="1184146"/>
-                  </a:lnTo>
-                  <a:lnTo>
-                    <a:pt x="488498" y="1246470"/>
-                  </a:lnTo>
-                  <a:lnTo>
-                    <a:pt x="434220" y="1308793"/>
-                  </a:lnTo>
-                  <a:lnTo>
-                    <a:pt x="379943" y="1371117"/>
-                  </a:lnTo>
-                  <a:lnTo>
-                    <a:pt x="325665" y="1433440"/>
-                  </a:lnTo>
-                  <a:lnTo>
-                    <a:pt x="271388" y="1495764"/>
-                  </a:lnTo>
-                  <a:lnTo>
-                    <a:pt x="217110" y="1558088"/>
-                  </a:lnTo>
-                  <a:lnTo>
-                    <a:pt x="162832" y="1620411"/>
-                  </a:lnTo>
-                  <a:lnTo>
-                    <a:pt x="108555" y="1682735"/>
-                  </a:lnTo>
-                  <a:lnTo>
-                    <a:pt x="54277" y="1745058"/>
+                    <a:pt x="82086" y="1752905"/>
+                  </a:lnTo>
+                  <a:lnTo>
+                    <a:pt x="164173" y="1762499"/>
+                  </a:lnTo>
+                  <a:lnTo>
+                    <a:pt x="246260" y="1772094"/>
+                  </a:lnTo>
+                  <a:lnTo>
+                    <a:pt x="328346" y="1781688"/>
+                  </a:lnTo>
+                  <a:lnTo>
+                    <a:pt x="410433" y="1791283"/>
+                  </a:lnTo>
+                  <a:lnTo>
+                    <a:pt x="492520" y="1800878"/>
+                  </a:lnTo>
+                  <a:lnTo>
+                    <a:pt x="574606" y="1810472"/>
+                  </a:lnTo>
+                  <a:lnTo>
+                    <a:pt x="656693" y="1820067"/>
+                  </a:lnTo>
+                  <a:lnTo>
+                    <a:pt x="738780" y="1829661"/>
+                  </a:lnTo>
+                  <a:lnTo>
+                    <a:pt x="820866" y="1839256"/>
+                  </a:lnTo>
+                  <a:lnTo>
+                    <a:pt x="902953" y="1848850"/>
+                  </a:lnTo>
+                  <a:lnTo>
+                    <a:pt x="985040" y="1858445"/>
+                  </a:lnTo>
+                  <a:lnTo>
+                    <a:pt x="1067126" y="1868039"/>
+                  </a:lnTo>
+                  <a:lnTo>
+                    <a:pt x="1149213" y="1877634"/>
+                  </a:lnTo>
+                  <a:lnTo>
+                    <a:pt x="1231300" y="1887229"/>
+                  </a:lnTo>
+                  <a:lnTo>
+                    <a:pt x="1313386" y="1896823"/>
+                  </a:lnTo>
+                  <a:lnTo>
+                    <a:pt x="1395473" y="1906418"/>
+                  </a:lnTo>
+                  <a:lnTo>
+                    <a:pt x="1477560" y="1916012"/>
+                  </a:lnTo>
+                  <a:lnTo>
+                    <a:pt x="1559647" y="1925607"/>
+                  </a:lnTo>
+                  <a:lnTo>
+                    <a:pt x="1641733" y="1935201"/>
+                  </a:lnTo>
+                  <a:lnTo>
+                    <a:pt x="1723820" y="1944796"/>
+                  </a:lnTo>
+                  <a:lnTo>
+                    <a:pt x="1805907" y="1954390"/>
+                  </a:lnTo>
+                  <a:lnTo>
+                    <a:pt x="1887993" y="1963985"/>
+                  </a:lnTo>
+                  <a:lnTo>
+                    <a:pt x="1970080" y="1973580"/>
+                  </a:lnTo>
+                  <a:lnTo>
+                    <a:pt x="2052167" y="1983174"/>
+                  </a:lnTo>
+                  <a:lnTo>
+                    <a:pt x="2134253" y="1992769"/>
+                  </a:lnTo>
+                  <a:lnTo>
+                    <a:pt x="2216340" y="2002363"/>
+                  </a:lnTo>
+                  <a:lnTo>
+                    <a:pt x="2298427" y="2011958"/>
+                  </a:lnTo>
+                  <a:lnTo>
+                    <a:pt x="2380513" y="2021552"/>
+                  </a:lnTo>
+                  <a:lnTo>
+                    <a:pt x="2388689" y="1939334"/>
+                  </a:lnTo>
+                  <a:lnTo>
+                    <a:pt x="2394027" y="1856882"/>
+                  </a:lnTo>
+                  <a:lnTo>
+                    <a:pt x="2396519" y="1774295"/>
+                  </a:lnTo>
+                  <a:lnTo>
+                    <a:pt x="2396163" y="1691671"/>
+                  </a:lnTo>
+                  <a:lnTo>
+                    <a:pt x="2392959" y="1609109"/>
+                  </a:lnTo>
+                  <a:lnTo>
+                    <a:pt x="2386911" y="1526706"/>
+                  </a:lnTo>
+                  <a:lnTo>
+                    <a:pt x="2378027" y="1444561"/>
+                  </a:lnTo>
+                  <a:lnTo>
+                    <a:pt x="2366316" y="1362771"/>
+                  </a:lnTo>
+                  <a:lnTo>
+                    <a:pt x="2351793" y="1281433"/>
+                  </a:lnTo>
+                  <a:lnTo>
+                    <a:pt x="2334475" y="1200644"/>
+                  </a:lnTo>
+                  <a:lnTo>
+                    <a:pt x="2314383" y="1120500"/>
+                  </a:lnTo>
+                  <a:lnTo>
+                    <a:pt x="2291540" y="1041096"/>
+                  </a:lnTo>
+                  <a:lnTo>
+                    <a:pt x="2265974" y="962526"/>
+                  </a:lnTo>
+                  <a:lnTo>
+                    <a:pt x="2237715" y="884885"/>
+                  </a:lnTo>
+                  <a:lnTo>
+                    <a:pt x="2206796" y="808264"/>
+                  </a:lnTo>
+                  <a:lnTo>
+                    <a:pt x="2173255" y="732753"/>
+                  </a:lnTo>
+                  <a:lnTo>
+                    <a:pt x="2137131" y="658444"/>
+                  </a:lnTo>
+                  <a:lnTo>
+                    <a:pt x="2098467" y="585425"/>
+                  </a:lnTo>
+                  <a:lnTo>
+                    <a:pt x="2057309" y="513781"/>
+                  </a:lnTo>
+                  <a:lnTo>
+                    <a:pt x="2013706" y="443599"/>
+                  </a:lnTo>
+                  <a:lnTo>
+                    <a:pt x="1967710" y="374961"/>
+                  </a:lnTo>
+                  <a:lnTo>
+                    <a:pt x="1919376" y="307949"/>
+                  </a:lnTo>
+                  <a:lnTo>
+                    <a:pt x="1868760" y="242644"/>
+                  </a:lnTo>
+                  <a:lnTo>
+                    <a:pt x="1815923" y="179122"/>
+                  </a:lnTo>
+                  <a:lnTo>
+                    <a:pt x="1760928" y="117458"/>
+                  </a:lnTo>
+                  <a:lnTo>
+                    <a:pt x="1703841" y="57727"/>
+                  </a:lnTo>
+                  <a:lnTo>
+                    <a:pt x="1644728" y="0"/>
+                  </a:lnTo>
+                  <a:lnTo>
+                    <a:pt x="1588014" y="60114"/>
+                  </a:lnTo>
+                  <a:lnTo>
+                    <a:pt x="1531299" y="120228"/>
+                  </a:lnTo>
+                  <a:lnTo>
+                    <a:pt x="1474584" y="180342"/>
+                  </a:lnTo>
+                  <a:lnTo>
+                    <a:pt x="1417869" y="240456"/>
+                  </a:lnTo>
+                  <a:lnTo>
+                    <a:pt x="1361154" y="300570"/>
+                  </a:lnTo>
+                  <a:lnTo>
+                    <a:pt x="1304440" y="360684"/>
+                  </a:lnTo>
+                  <a:lnTo>
+                    <a:pt x="1247725" y="420799"/>
+                  </a:lnTo>
+                  <a:lnTo>
+                    <a:pt x="1191010" y="480913"/>
+                  </a:lnTo>
+                  <a:lnTo>
+                    <a:pt x="1134295" y="541027"/>
+                  </a:lnTo>
+                  <a:lnTo>
+                    <a:pt x="1077580" y="601141"/>
+                  </a:lnTo>
+                  <a:lnTo>
+                    <a:pt x="1020866" y="661255"/>
+                  </a:lnTo>
+                  <a:lnTo>
+                    <a:pt x="964151" y="721369"/>
+                  </a:lnTo>
+                  <a:lnTo>
+                    <a:pt x="907436" y="781484"/>
+                  </a:lnTo>
+                  <a:lnTo>
+                    <a:pt x="850721" y="841598"/>
+                  </a:lnTo>
+                  <a:lnTo>
+                    <a:pt x="794007" y="901712"/>
+                  </a:lnTo>
+                  <a:lnTo>
+                    <a:pt x="737292" y="961826"/>
+                  </a:lnTo>
+                  <a:lnTo>
+                    <a:pt x="680577" y="1021940"/>
+                  </a:lnTo>
+                  <a:lnTo>
+                    <a:pt x="623862" y="1082054"/>
+                  </a:lnTo>
+                  <a:lnTo>
+                    <a:pt x="567147" y="1142169"/>
+                  </a:lnTo>
+                  <a:lnTo>
+                    <a:pt x="510433" y="1202283"/>
+                  </a:lnTo>
+                  <a:lnTo>
+                    <a:pt x="453718" y="1262397"/>
+                  </a:lnTo>
+                  <a:lnTo>
+                    <a:pt x="397003" y="1322511"/>
+                  </a:lnTo>
+                  <a:lnTo>
+                    <a:pt x="340288" y="1382625"/>
+                  </a:lnTo>
+                  <a:lnTo>
+                    <a:pt x="283573" y="1442739"/>
+                  </a:lnTo>
+                  <a:lnTo>
+                    <a:pt x="226859" y="1502854"/>
+                  </a:lnTo>
+                  <a:lnTo>
+                    <a:pt x="170144" y="1562968"/>
+                  </a:lnTo>
+                  <a:lnTo>
+                    <a:pt x="113429" y="1623082"/>
+                  </a:lnTo>
+                  <a:lnTo>
+                    <a:pt x="56714" y="1683196"/>
                   </a:lnTo>
                   <a:close/>
                 </a:path>
@@ -3078,522 +3087,510 @@
           </p:nvSpPr>
           <p:spPr>
             <a:xfrm>
-              <a:off x="3089796" y="2795648"/>
-              <a:ext cx="4792413" cy="3920092"/>
+              <a:off x="3089708" y="2888078"/>
+              <a:ext cx="4777205" cy="3827913"/>
             </a:xfrm>
             <a:custGeom>
               <a:avLst/>
               <a:pathLst>
-                <a:path w="4792413" h="3920092">
+                <a:path w="4777205" h="3827913">
                   <a:moveTo>
-                    <a:pt x="2396603" y="1523651"/>
+                    <a:pt x="2396691" y="1431221"/>
                   </a:moveTo>
                   <a:lnTo>
-                    <a:pt x="2332808" y="1471111"/>
-                  </a:lnTo>
-                  <a:lnTo>
-                    <a:pt x="2269012" y="1418572"/>
-                  </a:lnTo>
-                  <a:lnTo>
-                    <a:pt x="2205217" y="1366032"/>
-                  </a:lnTo>
-                  <a:lnTo>
-                    <a:pt x="2141421" y="1313492"/>
-                  </a:lnTo>
-                  <a:lnTo>
-                    <a:pt x="2077626" y="1260953"/>
-                  </a:lnTo>
-                  <a:lnTo>
-                    <a:pt x="2013830" y="1208413"/>
-                  </a:lnTo>
-                  <a:lnTo>
-                    <a:pt x="1950035" y="1155873"/>
-                  </a:lnTo>
-                  <a:lnTo>
-                    <a:pt x="1886240" y="1103333"/>
-                  </a:lnTo>
-                  <a:lnTo>
-                    <a:pt x="1822444" y="1050794"/>
-                  </a:lnTo>
-                  <a:lnTo>
-                    <a:pt x="1758649" y="998254"/>
-                  </a:lnTo>
-                  <a:lnTo>
-                    <a:pt x="1694853" y="945714"/>
-                  </a:lnTo>
-                  <a:lnTo>
-                    <a:pt x="1631058" y="893175"/>
-                  </a:lnTo>
-                  <a:lnTo>
-                    <a:pt x="1567262" y="840635"/>
-                  </a:lnTo>
-                  <a:lnTo>
-                    <a:pt x="1503467" y="788095"/>
-                  </a:lnTo>
-                  <a:lnTo>
-                    <a:pt x="1439671" y="735555"/>
-                  </a:lnTo>
-                  <a:lnTo>
-                    <a:pt x="1375876" y="683016"/>
-                  </a:lnTo>
-                  <a:lnTo>
-                    <a:pt x="1312081" y="630476"/>
-                  </a:lnTo>
-                  <a:lnTo>
-                    <a:pt x="1248285" y="577936"/>
-                  </a:lnTo>
-                  <a:lnTo>
-                    <a:pt x="1184490" y="525397"/>
-                  </a:lnTo>
-                  <a:lnTo>
-                    <a:pt x="1120694" y="472857"/>
-                  </a:lnTo>
-                  <a:lnTo>
-                    <a:pt x="1056899" y="420317"/>
-                  </a:lnTo>
-                  <a:lnTo>
-                    <a:pt x="993103" y="367777"/>
-                  </a:lnTo>
-                  <a:lnTo>
-                    <a:pt x="929308" y="315238"/>
-                  </a:lnTo>
-                  <a:lnTo>
-                    <a:pt x="865512" y="262698"/>
-                  </a:lnTo>
-                  <a:lnTo>
-                    <a:pt x="801717" y="210158"/>
-                  </a:lnTo>
-                  <a:lnTo>
-                    <a:pt x="737922" y="157619"/>
-                  </a:lnTo>
-                  <a:lnTo>
-                    <a:pt x="674126" y="105079"/>
-                  </a:lnTo>
-                  <a:lnTo>
-                    <a:pt x="610331" y="52539"/>
-                  </a:lnTo>
-                  <a:lnTo>
-                    <a:pt x="546535" y="0"/>
-                  </a:lnTo>
-                  <a:lnTo>
-                    <a:pt x="495876" y="63685"/>
-                  </a:lnTo>
-                  <a:lnTo>
-                    <a:pt x="447407" y="129054"/>
-                  </a:lnTo>
-                  <a:lnTo>
-                    <a:pt x="401186" y="196030"/>
-                  </a:lnTo>
-                  <a:lnTo>
-                    <a:pt x="357266" y="264537"/>
-                  </a:lnTo>
-                  <a:lnTo>
-                    <a:pt x="315696" y="334496"/>
-                  </a:lnTo>
-                  <a:lnTo>
-                    <a:pt x="276525" y="405825"/>
-                  </a:lnTo>
-                  <a:lnTo>
-                    <a:pt x="239798" y="478443"/>
-                  </a:lnTo>
-                  <a:lnTo>
-                    <a:pt x="205558" y="552266"/>
-                  </a:lnTo>
-                  <a:lnTo>
-                    <a:pt x="173844" y="627209"/>
-                  </a:lnTo>
-                  <a:lnTo>
-                    <a:pt x="144692" y="703186"/>
-                  </a:lnTo>
-                  <a:lnTo>
-                    <a:pt x="118137" y="780108"/>
-                  </a:lnTo>
-                  <a:lnTo>
-                    <a:pt x="94208" y="857888"/>
-                  </a:lnTo>
-                  <a:lnTo>
-                    <a:pt x="72933" y="936435"/>
-                  </a:lnTo>
-                  <a:lnTo>
-                    <a:pt x="54337" y="1015659"/>
-                  </a:lnTo>
-                  <a:lnTo>
-                    <a:pt x="38442" y="1095468"/>
-                  </a:lnTo>
-                  <a:lnTo>
-                    <a:pt x="25265" y="1175771"/>
-                  </a:lnTo>
-                  <a:lnTo>
-                    <a:pt x="14822" y="1256476"/>
-                  </a:lnTo>
-                  <a:lnTo>
-                    <a:pt x="7124" y="1337488"/>
-                  </a:lnTo>
-                  <a:lnTo>
-                    <a:pt x="2182" y="1418715"/>
-                  </a:lnTo>
-                  <a:lnTo>
-                    <a:pt x="0" y="1500063"/>
-                  </a:lnTo>
-                  <a:lnTo>
-                    <a:pt x="580" y="1581438"/>
-                  </a:lnTo>
-                  <a:lnTo>
-                    <a:pt x="3923" y="1662746"/>
-                  </a:lnTo>
-                  <a:lnTo>
-                    <a:pt x="10024" y="1743894"/>
-                  </a:lnTo>
-                  <a:lnTo>
-                    <a:pt x="18877" y="1824789"/>
-                  </a:lnTo>
-                  <a:lnTo>
-                    <a:pt x="30471" y="1905336"/>
-                  </a:lnTo>
-                  <a:lnTo>
-                    <a:pt x="44792" y="1985443"/>
-                  </a:lnTo>
-                  <a:lnTo>
-                    <a:pt x="61825" y="2065017"/>
-                  </a:lnTo>
-                  <a:lnTo>
-                    <a:pt x="81550" y="2143968"/>
-                  </a:lnTo>
-                  <a:lnTo>
-                    <a:pt x="103943" y="2222203"/>
-                  </a:lnTo>
-                  <a:lnTo>
-                    <a:pt x="128979" y="2299633"/>
-                  </a:lnTo>
-                  <a:lnTo>
-                    <a:pt x="156630" y="2376169"/>
-                  </a:lnTo>
-                  <a:lnTo>
-                    <a:pt x="186863" y="2451721"/>
-                  </a:lnTo>
-                  <a:lnTo>
-                    <a:pt x="219644" y="2526204"/>
-                  </a:lnTo>
-                  <a:lnTo>
-                    <a:pt x="254934" y="2599531"/>
-                  </a:lnTo>
-                  <a:lnTo>
-                    <a:pt x="292693" y="2671618"/>
-                  </a:lnTo>
-                  <a:lnTo>
-                    <a:pt x="332878" y="2742381"/>
-                  </a:lnTo>
-                  <a:lnTo>
-                    <a:pt x="375441" y="2811739"/>
-                  </a:lnTo>
-                  <a:lnTo>
-                    <a:pt x="420335" y="2879612"/>
-                  </a:lnTo>
-                  <a:lnTo>
-                    <a:pt x="467508" y="2945922"/>
-                  </a:lnTo>
-                  <a:lnTo>
-                    <a:pt x="516904" y="3010593"/>
-                  </a:lnTo>
-                  <a:lnTo>
-                    <a:pt x="568467" y="3073549"/>
-                  </a:lnTo>
-                  <a:lnTo>
-                    <a:pt x="622138" y="3134718"/>
-                  </a:lnTo>
-                  <a:lnTo>
-                    <a:pt x="677854" y="3194030"/>
-                  </a:lnTo>
-                  <a:lnTo>
-                    <a:pt x="735552" y="3251417"/>
-                  </a:lnTo>
-                  <a:lnTo>
-                    <a:pt x="795165" y="3306811"/>
-                  </a:lnTo>
-                  <a:lnTo>
-                    <a:pt x="856624" y="3360150"/>
-                  </a:lnTo>
-                  <a:lnTo>
-                    <a:pt x="919858" y="3411372"/>
-                  </a:lnTo>
-                  <a:lnTo>
-                    <a:pt x="984795" y="3460417"/>
-                  </a:lnTo>
-                  <a:lnTo>
-                    <a:pt x="1051359" y="3507230"/>
-                  </a:lnTo>
-                  <a:lnTo>
-                    <a:pt x="1119475" y="3551756"/>
-                  </a:lnTo>
-                  <a:lnTo>
-                    <a:pt x="1189062" y="3593943"/>
-                  </a:lnTo>
-                  <a:lnTo>
-                    <a:pt x="1260042" y="3633744"/>
-                  </a:lnTo>
-                  <a:lnTo>
-                    <a:pt x="1332332" y="3671113"/>
-                  </a:lnTo>
-                  <a:lnTo>
-                    <a:pt x="1405849" y="3706006"/>
-                  </a:lnTo>
-                  <a:lnTo>
-                    <a:pt x="1480508" y="3738382"/>
-                  </a:lnTo>
-                  <a:lnTo>
-                    <a:pt x="1556223" y="3768206"/>
-                  </a:lnTo>
-                  <a:lnTo>
-                    <a:pt x="1632907" y="3795442"/>
-                  </a:lnTo>
-                  <a:lnTo>
-                    <a:pt x="1710472" y="3820059"/>
-                  </a:lnTo>
-                  <a:lnTo>
-                    <a:pt x="1788827" y="3842028"/>
-                  </a:lnTo>
-                  <a:lnTo>
-                    <a:pt x="1867883" y="3861325"/>
-                  </a:lnTo>
-                  <a:lnTo>
-                    <a:pt x="1947549" y="3877927"/>
-                  </a:lnTo>
-                  <a:lnTo>
-                    <a:pt x="2027732" y="3891815"/>
-                  </a:lnTo>
-                  <a:lnTo>
-                    <a:pt x="2108341" y="3902972"/>
-                  </a:lnTo>
-                  <a:lnTo>
-                    <a:pt x="2189282" y="3911387"/>
-                  </a:lnTo>
-                  <a:lnTo>
-                    <a:pt x="2270462" y="3917049"/>
-                  </a:lnTo>
-                  <a:lnTo>
-                    <a:pt x="2351787" y="3919952"/>
-                  </a:lnTo>
-                  <a:lnTo>
-                    <a:pt x="2433164" y="3920092"/>
-                  </a:lnTo>
-                  <a:lnTo>
-                    <a:pt x="2514499" y="3917469"/>
-                  </a:lnTo>
-                  <a:lnTo>
-                    <a:pt x="2595698" y="3912087"/>
-                  </a:lnTo>
-                  <a:lnTo>
-                    <a:pt x="2676667" y="3903951"/>
-                  </a:lnTo>
-                  <a:lnTo>
-                    <a:pt x="2757314" y="3893071"/>
-                  </a:lnTo>
-                  <a:lnTo>
-                    <a:pt x="2837545" y="3879460"/>
-                  </a:lnTo>
-                  <a:lnTo>
-                    <a:pt x="2917267" y="3863133"/>
-                  </a:lnTo>
-                  <a:lnTo>
-                    <a:pt x="2996389" y="3844108"/>
-                  </a:lnTo>
-                  <a:lnTo>
-                    <a:pt x="3074820" y="3822409"/>
-                  </a:lnTo>
-                  <a:lnTo>
-                    <a:pt x="3152469" y="3798059"/>
-                  </a:lnTo>
-                  <a:lnTo>
-                    <a:pt x="3229246" y="3771087"/>
-                  </a:lnTo>
-                  <a:lnTo>
-                    <a:pt x="3305064" y="3741525"/>
-                  </a:lnTo>
-                  <a:lnTo>
-                    <a:pt x="3379834" y="3709405"/>
-                  </a:lnTo>
-                  <a:lnTo>
-                    <a:pt x="3453470" y="3674766"/>
-                  </a:lnTo>
-                  <a:lnTo>
-                    <a:pt x="3525889" y="3637647"/>
-                  </a:lnTo>
-                  <a:lnTo>
-                    <a:pt x="3597005" y="3598091"/>
-                  </a:lnTo>
-                  <a:lnTo>
-                    <a:pt x="3666738" y="3556143"/>
-                  </a:lnTo>
-                  <a:lnTo>
-                    <a:pt x="3735006" y="3511852"/>
-                  </a:lnTo>
-                  <a:lnTo>
-                    <a:pt x="3801731" y="3465269"/>
-                  </a:lnTo>
-                  <a:lnTo>
-                    <a:pt x="3866836" y="3416448"/>
-                  </a:lnTo>
-                  <a:lnTo>
-                    <a:pt x="3930247" y="3365444"/>
-                  </a:lnTo>
-                  <a:lnTo>
-                    <a:pt x="3991889" y="3312317"/>
-                  </a:lnTo>
-                  <a:lnTo>
-                    <a:pt x="4051693" y="3257128"/>
-                  </a:lnTo>
-                  <a:lnTo>
-                    <a:pt x="4109588" y="3199941"/>
-                  </a:lnTo>
-                  <a:lnTo>
-                    <a:pt x="4165508" y="3140821"/>
-                  </a:lnTo>
-                  <a:lnTo>
-                    <a:pt x="4219389" y="3079837"/>
-                  </a:lnTo>
-                  <a:lnTo>
-                    <a:pt x="4271169" y="3017059"/>
-                  </a:lnTo>
-                  <a:lnTo>
-                    <a:pt x="4320788" y="2952559"/>
-                  </a:lnTo>
-                  <a:lnTo>
-                    <a:pt x="4368188" y="2886412"/>
-                  </a:lnTo>
-                  <a:lnTo>
-                    <a:pt x="4413315" y="2818694"/>
-                  </a:lnTo>
-                  <a:lnTo>
-                    <a:pt x="4456118" y="2749483"/>
-                  </a:lnTo>
-                  <a:lnTo>
-                    <a:pt x="4496546" y="2678858"/>
-                  </a:lnTo>
-                  <a:lnTo>
-                    <a:pt x="4534553" y="2606902"/>
-                  </a:lnTo>
-                  <a:lnTo>
-                    <a:pt x="4570096" y="2533697"/>
-                  </a:lnTo>
-                  <a:lnTo>
-                    <a:pt x="4603133" y="2459328"/>
-                  </a:lnTo>
-                  <a:lnTo>
-                    <a:pt x="4633626" y="2383880"/>
-                  </a:lnTo>
-                  <a:lnTo>
-                    <a:pt x="4661540" y="2307440"/>
-                  </a:lnTo>
-                  <a:lnTo>
-                    <a:pt x="4686843" y="2230097"/>
-                  </a:lnTo>
-                  <a:lnTo>
-                    <a:pt x="4709506" y="2151939"/>
-                  </a:lnTo>
-                  <a:lnTo>
-                    <a:pt x="4729502" y="2073057"/>
-                  </a:lnTo>
-                  <a:lnTo>
-                    <a:pt x="4746809" y="1993541"/>
-                  </a:lnTo>
-                  <a:lnTo>
-                    <a:pt x="4761406" y="1913484"/>
-                  </a:lnTo>
-                  <a:lnTo>
-                    <a:pt x="4773278" y="1832977"/>
-                  </a:lnTo>
-                  <a:lnTo>
-                    <a:pt x="4782409" y="1752114"/>
-                  </a:lnTo>
-                  <a:lnTo>
-                    <a:pt x="4788790" y="1670988"/>
-                  </a:lnTo>
-                  <a:lnTo>
-                    <a:pt x="4792413" y="1589691"/>
-                  </a:lnTo>
-                  <a:lnTo>
-                    <a:pt x="4709798" y="1587414"/>
-                  </a:lnTo>
-                  <a:lnTo>
-                    <a:pt x="4627184" y="1585137"/>
-                  </a:lnTo>
-                  <a:lnTo>
-                    <a:pt x="4544570" y="1582859"/>
-                  </a:lnTo>
-                  <a:lnTo>
-                    <a:pt x="4461956" y="1580582"/>
-                  </a:lnTo>
-                  <a:lnTo>
-                    <a:pt x="4379342" y="1578305"/>
-                  </a:lnTo>
-                  <a:lnTo>
-                    <a:pt x="4296728" y="1576028"/>
-                  </a:lnTo>
-                  <a:lnTo>
-                    <a:pt x="4214114" y="1573750"/>
-                  </a:lnTo>
-                  <a:lnTo>
-                    <a:pt x="4131500" y="1571473"/>
-                  </a:lnTo>
-                  <a:lnTo>
-                    <a:pt x="4048885" y="1569196"/>
-                  </a:lnTo>
-                  <a:lnTo>
-                    <a:pt x="3966271" y="1566919"/>
-                  </a:lnTo>
-                  <a:lnTo>
-                    <a:pt x="3883657" y="1564641"/>
-                  </a:lnTo>
-                  <a:lnTo>
-                    <a:pt x="3801043" y="1562364"/>
-                  </a:lnTo>
-                  <a:lnTo>
-                    <a:pt x="3718429" y="1560087"/>
-                  </a:lnTo>
-                  <a:lnTo>
-                    <a:pt x="3635815" y="1557810"/>
-                  </a:lnTo>
-                  <a:lnTo>
-                    <a:pt x="3553201" y="1555532"/>
-                  </a:lnTo>
-                  <a:lnTo>
-                    <a:pt x="3470587" y="1553255"/>
-                  </a:lnTo>
-                  <a:lnTo>
-                    <a:pt x="3387973" y="1550978"/>
-                  </a:lnTo>
-                  <a:lnTo>
-                    <a:pt x="3305358" y="1548701"/>
-                  </a:lnTo>
-                  <a:lnTo>
-                    <a:pt x="3222744" y="1546423"/>
-                  </a:lnTo>
-                  <a:lnTo>
-                    <a:pt x="3140130" y="1544146"/>
-                  </a:lnTo>
-                  <a:lnTo>
-                    <a:pt x="3057516" y="1541869"/>
-                  </a:lnTo>
-                  <a:lnTo>
-                    <a:pt x="2974902" y="1539592"/>
-                  </a:lnTo>
-                  <a:lnTo>
-                    <a:pt x="2892288" y="1537315"/>
-                  </a:lnTo>
-                  <a:lnTo>
-                    <a:pt x="2809674" y="1535037"/>
-                  </a:lnTo>
-                  <a:lnTo>
-                    <a:pt x="2727060" y="1532760"/>
-                  </a:lnTo>
-                  <a:lnTo>
-                    <a:pt x="2644445" y="1530483"/>
-                  </a:lnTo>
-                  <a:lnTo>
-                    <a:pt x="2561831" y="1528206"/>
-                  </a:lnTo>
-                  <a:lnTo>
-                    <a:pt x="2479217" y="1525928"/>
+                    <a:pt x="2330399" y="1381869"/>
+                  </a:lnTo>
+                  <a:lnTo>
+                    <a:pt x="2264107" y="1332516"/>
+                  </a:lnTo>
+                  <a:lnTo>
+                    <a:pt x="2197815" y="1283164"/>
+                  </a:lnTo>
+                  <a:lnTo>
+                    <a:pt x="2131523" y="1233811"/>
+                  </a:lnTo>
+                  <a:lnTo>
+                    <a:pt x="2065232" y="1184459"/>
+                  </a:lnTo>
+                  <a:lnTo>
+                    <a:pt x="1998940" y="1135106"/>
+                  </a:lnTo>
+                  <a:lnTo>
+                    <a:pt x="1932648" y="1085754"/>
+                  </a:lnTo>
+                  <a:lnTo>
+                    <a:pt x="1866356" y="1036401"/>
+                  </a:lnTo>
+                  <a:lnTo>
+                    <a:pt x="1800064" y="987049"/>
+                  </a:lnTo>
+                  <a:lnTo>
+                    <a:pt x="1733772" y="937696"/>
+                  </a:lnTo>
+                  <a:lnTo>
+                    <a:pt x="1667480" y="888344"/>
+                  </a:lnTo>
+                  <a:lnTo>
+                    <a:pt x="1601188" y="838992"/>
+                  </a:lnTo>
+                  <a:lnTo>
+                    <a:pt x="1534897" y="789639"/>
+                  </a:lnTo>
+                  <a:lnTo>
+                    <a:pt x="1468605" y="740287"/>
+                  </a:lnTo>
+                  <a:lnTo>
+                    <a:pt x="1402313" y="690934"/>
+                  </a:lnTo>
+                  <a:lnTo>
+                    <a:pt x="1336021" y="641582"/>
+                  </a:lnTo>
+                  <a:lnTo>
+                    <a:pt x="1269729" y="592229"/>
+                  </a:lnTo>
+                  <a:lnTo>
+                    <a:pt x="1203437" y="542877"/>
+                  </a:lnTo>
+                  <a:lnTo>
+                    <a:pt x="1137145" y="493524"/>
+                  </a:lnTo>
+                  <a:lnTo>
+                    <a:pt x="1070853" y="444172"/>
+                  </a:lnTo>
+                  <a:lnTo>
+                    <a:pt x="1004562" y="394819"/>
+                  </a:lnTo>
+                  <a:lnTo>
+                    <a:pt x="938270" y="345467"/>
+                  </a:lnTo>
+                  <a:lnTo>
+                    <a:pt x="871978" y="296114"/>
+                  </a:lnTo>
+                  <a:lnTo>
+                    <a:pt x="805686" y="246762"/>
+                  </a:lnTo>
+                  <a:lnTo>
+                    <a:pt x="739394" y="197409"/>
+                  </a:lnTo>
+                  <a:lnTo>
+                    <a:pt x="673102" y="148057"/>
+                  </a:lnTo>
+                  <a:lnTo>
+                    <a:pt x="606810" y="98704"/>
+                  </a:lnTo>
+                  <a:lnTo>
+                    <a:pt x="540518" y="49352"/>
+                  </a:lnTo>
+                  <a:lnTo>
+                    <a:pt x="474227" y="0"/>
+                  </a:lnTo>
+                  <a:lnTo>
+                    <a:pt x="426772" y="66054"/>
+                  </a:lnTo>
+                  <a:lnTo>
+                    <a:pt x="381585" y="133680"/>
+                  </a:lnTo>
+                  <a:lnTo>
+                    <a:pt x="338719" y="202801"/>
+                  </a:lnTo>
+                  <a:lnTo>
+                    <a:pt x="298223" y="273336"/>
+                  </a:lnTo>
+                  <a:lnTo>
+                    <a:pt x="260144" y="345204"/>
+                  </a:lnTo>
+                  <a:lnTo>
+                    <a:pt x="224525" y="418324"/>
+                  </a:lnTo>
+                  <a:lnTo>
+                    <a:pt x="191408" y="492610"/>
+                  </a:lnTo>
+                  <a:lnTo>
+                    <a:pt x="160830" y="567976"/>
+                  </a:lnTo>
+                  <a:lnTo>
+                    <a:pt x="132827" y="644337"/>
+                  </a:lnTo>
+                  <a:lnTo>
+                    <a:pt x="107432" y="721604"/>
+                  </a:lnTo>
+                  <a:lnTo>
+                    <a:pt x="84672" y="799688"/>
+                  </a:lnTo>
+                  <a:lnTo>
+                    <a:pt x="64575" y="878500"/>
+                  </a:lnTo>
+                  <a:lnTo>
+                    <a:pt x="47164" y="957948"/>
+                  </a:lnTo>
+                  <a:lnTo>
+                    <a:pt x="32458" y="1037941"/>
+                  </a:lnTo>
+                  <a:lnTo>
+                    <a:pt x="20476" y="1118387"/>
+                  </a:lnTo>
+                  <a:lnTo>
+                    <a:pt x="11229" y="1199193"/>
+                  </a:lnTo>
+                  <a:lnTo>
+                    <a:pt x="4730" y="1280266"/>
+                  </a:lnTo>
+                  <a:lnTo>
+                    <a:pt x="985" y="1361513"/>
+                  </a:lnTo>
+                  <a:lnTo>
+                    <a:pt x="0" y="1442841"/>
+                  </a:lnTo>
+                  <a:lnTo>
+                    <a:pt x="1774" y="1524155"/>
+                  </a:lnTo>
+                  <a:lnTo>
+                    <a:pt x="6306" y="1605362"/>
+                  </a:lnTo>
+                  <a:lnTo>
+                    <a:pt x="13591" y="1686369"/>
+                  </a:lnTo>
+                  <a:lnTo>
+                    <a:pt x="23621" y="1767081"/>
+                  </a:lnTo>
+                  <a:lnTo>
+                    <a:pt x="36383" y="1847407"/>
+                  </a:lnTo>
+                  <a:lnTo>
+                    <a:pt x="51863" y="1927254"/>
+                  </a:lnTo>
+                  <a:lnTo>
+                    <a:pt x="70044" y="2006529"/>
+                  </a:lnTo>
+                  <a:lnTo>
+                    <a:pt x="90904" y="2085142"/>
+                  </a:lnTo>
+                  <a:lnTo>
+                    <a:pt x="114420" y="2163002"/>
+                  </a:lnTo>
+                  <a:lnTo>
+                    <a:pt x="140564" y="2240019"/>
+                  </a:lnTo>
+                  <a:lnTo>
+                    <a:pt x="169306" y="2316105"/>
+                  </a:lnTo>
+                  <a:lnTo>
+                    <a:pt x="200613" y="2391171"/>
+                  </a:lnTo>
+                  <a:lnTo>
+                    <a:pt x="234449" y="2465133"/>
+                  </a:lnTo>
+                  <a:lnTo>
+                    <a:pt x="270775" y="2537903"/>
+                  </a:lnTo>
+                  <a:lnTo>
+                    <a:pt x="309549" y="2609399"/>
+                  </a:lnTo>
+                  <a:lnTo>
+                    <a:pt x="350727" y="2679538"/>
+                  </a:lnTo>
+                  <a:lnTo>
+                    <a:pt x="394261" y="2748240"/>
+                  </a:lnTo>
+                  <a:lnTo>
+                    <a:pt x="440101" y="2815425"/>
+                  </a:lnTo>
+                  <a:lnTo>
+                    <a:pt x="488194" y="2881016"/>
+                  </a:lnTo>
+                  <a:lnTo>
+                    <a:pt x="538485" y="2944937"/>
+                  </a:lnTo>
+                  <a:lnTo>
+                    <a:pt x="590916" y="3007116"/>
+                  </a:lnTo>
+                  <a:lnTo>
+                    <a:pt x="645427" y="3067479"/>
+                  </a:lnTo>
+                  <a:lnTo>
+                    <a:pt x="701954" y="3125958"/>
+                  </a:lnTo>
+                  <a:lnTo>
+                    <a:pt x="760433" y="3182485"/>
+                  </a:lnTo>
+                  <a:lnTo>
+                    <a:pt x="820797" y="3236996"/>
+                  </a:lnTo>
+                  <a:lnTo>
+                    <a:pt x="882975" y="3289427"/>
+                  </a:lnTo>
+                  <a:lnTo>
+                    <a:pt x="946896" y="3339718"/>
+                  </a:lnTo>
+                  <a:lnTo>
+                    <a:pt x="1012487" y="3387811"/>
+                  </a:lnTo>
+                  <a:lnTo>
+                    <a:pt x="1079672" y="3433651"/>
+                  </a:lnTo>
+                  <a:lnTo>
+                    <a:pt x="1148374" y="3477185"/>
+                  </a:lnTo>
+                  <a:lnTo>
+                    <a:pt x="1218513" y="3518363"/>
+                  </a:lnTo>
+                  <a:lnTo>
+                    <a:pt x="1290009" y="3557137"/>
+                  </a:lnTo>
+                  <a:lnTo>
+                    <a:pt x="1362779" y="3593464"/>
+                  </a:lnTo>
+                  <a:lnTo>
+                    <a:pt x="1436741" y="3627300"/>
+                  </a:lnTo>
+                  <a:lnTo>
+                    <a:pt x="1511807" y="3658607"/>
+                  </a:lnTo>
+                  <a:lnTo>
+                    <a:pt x="1587893" y="3687349"/>
+                  </a:lnTo>
+                  <a:lnTo>
+                    <a:pt x="1664910" y="3713492"/>
+                  </a:lnTo>
+                  <a:lnTo>
+                    <a:pt x="1742770" y="3737008"/>
+                  </a:lnTo>
+                  <a:lnTo>
+                    <a:pt x="1821383" y="3757868"/>
+                  </a:lnTo>
+                  <a:lnTo>
+                    <a:pt x="1900658" y="3776049"/>
+                  </a:lnTo>
+                  <a:lnTo>
+                    <a:pt x="1980505" y="3791529"/>
+                  </a:lnTo>
+                  <a:lnTo>
+                    <a:pt x="2060831" y="3804292"/>
+                  </a:lnTo>
+                  <a:lnTo>
+                    <a:pt x="2141544" y="3814321"/>
+                  </a:lnTo>
+                  <a:lnTo>
+                    <a:pt x="2222550" y="3821606"/>
+                  </a:lnTo>
+                  <a:lnTo>
+                    <a:pt x="2303757" y="3826138"/>
+                  </a:lnTo>
+                  <a:lnTo>
+                    <a:pt x="2385071" y="3827913"/>
+                  </a:lnTo>
+                  <a:lnTo>
+                    <a:pt x="2466399" y="3826927"/>
+                  </a:lnTo>
+                  <a:lnTo>
+                    <a:pt x="2547646" y="3823182"/>
+                  </a:lnTo>
+                  <a:lnTo>
+                    <a:pt x="2628719" y="3816683"/>
+                  </a:lnTo>
+                  <a:lnTo>
+                    <a:pt x="2709526" y="3807437"/>
+                  </a:lnTo>
+                  <a:lnTo>
+                    <a:pt x="2789972" y="3795454"/>
+                  </a:lnTo>
+                  <a:lnTo>
+                    <a:pt x="2869965" y="3780748"/>
+                  </a:lnTo>
+                  <a:lnTo>
+                    <a:pt x="2949413" y="3763337"/>
+                  </a:lnTo>
+                  <a:lnTo>
+                    <a:pt x="3028224" y="3743240"/>
+                  </a:lnTo>
+                  <a:lnTo>
+                    <a:pt x="3106308" y="3720481"/>
+                  </a:lnTo>
+                  <a:lnTo>
+                    <a:pt x="3183575" y="3695085"/>
+                  </a:lnTo>
+                  <a:lnTo>
+                    <a:pt x="3259936" y="3667082"/>
+                  </a:lnTo>
+                  <a:lnTo>
+                    <a:pt x="3335303" y="3636504"/>
+                  </a:lnTo>
+                  <a:lnTo>
+                    <a:pt x="3409588" y="3603387"/>
+                  </a:lnTo>
+                  <a:lnTo>
+                    <a:pt x="3482708" y="3567768"/>
+                  </a:lnTo>
+                  <a:lnTo>
+                    <a:pt x="3554576" y="3529689"/>
+                  </a:lnTo>
+                  <a:lnTo>
+                    <a:pt x="3625112" y="3489193"/>
+                  </a:lnTo>
+                  <a:lnTo>
+                    <a:pt x="3694232" y="3446327"/>
+                  </a:lnTo>
+                  <a:lnTo>
+                    <a:pt x="3761858" y="3401141"/>
+                  </a:lnTo>
+                  <a:lnTo>
+                    <a:pt x="3827913" y="3353686"/>
+                  </a:lnTo>
+                  <a:lnTo>
+                    <a:pt x="3892319" y="3304017"/>
+                  </a:lnTo>
+                  <a:lnTo>
+                    <a:pt x="3955002" y="3252191"/>
+                  </a:lnTo>
+                  <a:lnTo>
+                    <a:pt x="4015891" y="3198268"/>
+                  </a:lnTo>
+                  <a:lnTo>
+                    <a:pt x="4074916" y="3142311"/>
+                  </a:lnTo>
+                  <a:lnTo>
+                    <a:pt x="4132007" y="3084382"/>
+                  </a:lnTo>
+                  <a:lnTo>
+                    <a:pt x="4187101" y="3024550"/>
+                  </a:lnTo>
+                  <a:lnTo>
+                    <a:pt x="4240132" y="2962884"/>
+                  </a:lnTo>
+                  <a:lnTo>
+                    <a:pt x="4291041" y="2899453"/>
+                  </a:lnTo>
+                  <a:lnTo>
+                    <a:pt x="4339768" y="2834331"/>
+                  </a:lnTo>
+                  <a:lnTo>
+                    <a:pt x="4386257" y="2767594"/>
+                  </a:lnTo>
+                  <a:lnTo>
+                    <a:pt x="4430455" y="2699318"/>
+                  </a:lnTo>
+                  <a:lnTo>
+                    <a:pt x="4472311" y="2629581"/>
+                  </a:lnTo>
+                  <a:lnTo>
+                    <a:pt x="4511777" y="2558464"/>
+                  </a:lnTo>
+                  <a:lnTo>
+                    <a:pt x="4548807" y="2486049"/>
+                  </a:lnTo>
+                  <a:lnTo>
+                    <a:pt x="4583358" y="2412420"/>
+                  </a:lnTo>
+                  <a:lnTo>
+                    <a:pt x="4615392" y="2337660"/>
+                  </a:lnTo>
+                  <a:lnTo>
+                    <a:pt x="4644870" y="2261857"/>
+                  </a:lnTo>
+                  <a:lnTo>
+                    <a:pt x="4671759" y="2185097"/>
+                  </a:lnTo>
+                  <a:lnTo>
+                    <a:pt x="4696029" y="2107469"/>
+                  </a:lnTo>
+                  <a:lnTo>
+                    <a:pt x="4717650" y="2029062"/>
+                  </a:lnTo>
+                  <a:lnTo>
+                    <a:pt x="4736599" y="1949966"/>
+                  </a:lnTo>
+                  <a:lnTo>
+                    <a:pt x="4752853" y="1870273"/>
+                  </a:lnTo>
+                  <a:lnTo>
+                    <a:pt x="4766393" y="1790075"/>
+                  </a:lnTo>
+                  <a:lnTo>
+                    <a:pt x="4777205" y="1709463"/>
+                  </a:lnTo>
+                  <a:lnTo>
+                    <a:pt x="4695118" y="1699869"/>
+                  </a:lnTo>
+                  <a:lnTo>
+                    <a:pt x="4613031" y="1690274"/>
+                  </a:lnTo>
+                  <a:lnTo>
+                    <a:pt x="4530945" y="1680680"/>
+                  </a:lnTo>
+                  <a:lnTo>
+                    <a:pt x="4448858" y="1671085"/>
+                  </a:lnTo>
+                  <a:lnTo>
+                    <a:pt x="4366771" y="1661491"/>
+                  </a:lnTo>
+                  <a:lnTo>
+                    <a:pt x="4284685" y="1651896"/>
+                  </a:lnTo>
+                  <a:lnTo>
+                    <a:pt x="4202598" y="1642301"/>
+                  </a:lnTo>
+                  <a:lnTo>
+                    <a:pt x="4120511" y="1632707"/>
+                  </a:lnTo>
+                  <a:lnTo>
+                    <a:pt x="4038425" y="1623112"/>
+                  </a:lnTo>
+                  <a:lnTo>
+                    <a:pt x="3956338" y="1613518"/>
+                  </a:lnTo>
+                  <a:lnTo>
+                    <a:pt x="3874251" y="1603923"/>
+                  </a:lnTo>
+                  <a:lnTo>
+                    <a:pt x="3792165" y="1594329"/>
+                  </a:lnTo>
+                  <a:lnTo>
+                    <a:pt x="3710078" y="1584734"/>
+                  </a:lnTo>
+                  <a:lnTo>
+                    <a:pt x="3627991" y="1575140"/>
+                  </a:lnTo>
+                  <a:lnTo>
+                    <a:pt x="3545905" y="1565545"/>
+                  </a:lnTo>
+                  <a:lnTo>
+                    <a:pt x="3463818" y="1555950"/>
+                  </a:lnTo>
+                  <a:lnTo>
+                    <a:pt x="3381731" y="1546356"/>
+                  </a:lnTo>
+                  <a:lnTo>
+                    <a:pt x="3299644" y="1536761"/>
+                  </a:lnTo>
+                  <a:lnTo>
+                    <a:pt x="3217558" y="1527167"/>
+                  </a:lnTo>
+                  <a:lnTo>
+                    <a:pt x="3135471" y="1517572"/>
+                  </a:lnTo>
+                  <a:lnTo>
+                    <a:pt x="3053384" y="1507978"/>
+                  </a:lnTo>
+                  <a:lnTo>
+                    <a:pt x="2971298" y="1498383"/>
+                  </a:lnTo>
+                  <a:lnTo>
+                    <a:pt x="2889211" y="1488789"/>
+                  </a:lnTo>
+                  <a:lnTo>
+                    <a:pt x="2807124" y="1479194"/>
+                  </a:lnTo>
+                  <a:lnTo>
+                    <a:pt x="2725038" y="1469599"/>
+                  </a:lnTo>
+                  <a:lnTo>
+                    <a:pt x="2642951" y="1460005"/>
+                  </a:lnTo>
+                  <a:lnTo>
+                    <a:pt x="2560864" y="1450410"/>
+                  </a:lnTo>
+                  <a:lnTo>
+                    <a:pt x="2478778" y="1440816"/>
                   </a:lnTo>
                   <a:close/>
                 </a:path>
@@ -3628,264 +3625,267 @@
           </p:nvSpPr>
           <p:spPr>
             <a:xfrm>
-              <a:off x="3636332" y="1922580"/>
-              <a:ext cx="1850067" cy="2396719"/>
+              <a:off x="3563935" y="1922580"/>
+              <a:ext cx="1922464" cy="2396719"/>
             </a:xfrm>
             <a:custGeom>
               <a:avLst/>
               <a:pathLst>
-                <a:path w="1850067" h="2396719">
+                <a:path w="1922464" h="2396719">
                   <a:moveTo>
-                    <a:pt x="1850067" y="2396719"/>
+                    <a:pt x="1922464" y="2396719"/>
                   </a:moveTo>
                   <a:lnTo>
-                    <a:pt x="1850067" y="2314074"/>
-                  </a:lnTo>
-                  <a:lnTo>
-                    <a:pt x="1850067" y="2231428"/>
-                  </a:lnTo>
-                  <a:lnTo>
-                    <a:pt x="1850067" y="2148783"/>
-                  </a:lnTo>
-                  <a:lnTo>
-                    <a:pt x="1850067" y="2066137"/>
-                  </a:lnTo>
-                  <a:lnTo>
-                    <a:pt x="1850067" y="1983492"/>
-                  </a:lnTo>
-                  <a:lnTo>
-                    <a:pt x="1850067" y="1900846"/>
-                  </a:lnTo>
-                  <a:lnTo>
-                    <a:pt x="1850067" y="1818201"/>
-                  </a:lnTo>
-                  <a:lnTo>
-                    <a:pt x="1850067" y="1735555"/>
-                  </a:lnTo>
-                  <a:lnTo>
-                    <a:pt x="1850067" y="1652910"/>
-                  </a:lnTo>
-                  <a:lnTo>
-                    <a:pt x="1850067" y="1570264"/>
-                  </a:lnTo>
-                  <a:lnTo>
-                    <a:pt x="1850067" y="1487619"/>
-                  </a:lnTo>
-                  <a:lnTo>
-                    <a:pt x="1850067" y="1404973"/>
-                  </a:lnTo>
-                  <a:lnTo>
-                    <a:pt x="1850067" y="1322328"/>
-                  </a:lnTo>
-                  <a:lnTo>
-                    <a:pt x="1850067" y="1239682"/>
-                  </a:lnTo>
-                  <a:lnTo>
-                    <a:pt x="1850067" y="1157037"/>
-                  </a:lnTo>
-                  <a:lnTo>
-                    <a:pt x="1850067" y="1074391"/>
-                  </a:lnTo>
-                  <a:lnTo>
-                    <a:pt x="1850067" y="991746"/>
-                  </a:lnTo>
-                  <a:lnTo>
-                    <a:pt x="1850067" y="909100"/>
-                  </a:lnTo>
-                  <a:lnTo>
-                    <a:pt x="1850067" y="826455"/>
-                  </a:lnTo>
-                  <a:lnTo>
-                    <a:pt x="1850067" y="743809"/>
-                  </a:lnTo>
-                  <a:lnTo>
-                    <a:pt x="1850067" y="661164"/>
-                  </a:lnTo>
-                  <a:lnTo>
-                    <a:pt x="1850067" y="578518"/>
-                  </a:lnTo>
-                  <a:lnTo>
-                    <a:pt x="1850067" y="495873"/>
-                  </a:lnTo>
-                  <a:lnTo>
-                    <a:pt x="1850067" y="413227"/>
-                  </a:lnTo>
-                  <a:lnTo>
-                    <a:pt x="1850067" y="330582"/>
-                  </a:lnTo>
-                  <a:lnTo>
-                    <a:pt x="1850067" y="247936"/>
-                  </a:lnTo>
-                  <a:lnTo>
-                    <a:pt x="1850067" y="165291"/>
-                  </a:lnTo>
-                  <a:lnTo>
-                    <a:pt x="1850067" y="82645"/>
-                  </a:lnTo>
-                  <a:lnTo>
-                    <a:pt x="1850067" y="0"/>
-                  </a:lnTo>
-                  <a:lnTo>
-                    <a:pt x="1768793" y="1378"/>
-                  </a:lnTo>
-                  <a:lnTo>
-                    <a:pt x="1687611" y="5512"/>
-                  </a:lnTo>
-                  <a:lnTo>
-                    <a:pt x="1606617" y="12396"/>
-                  </a:lnTo>
-                  <a:lnTo>
-                    <a:pt x="1525903" y="22023"/>
-                  </a:lnTo>
-                  <a:lnTo>
-                    <a:pt x="1445561" y="34381"/>
-                  </a:lnTo>
-                  <a:lnTo>
-                    <a:pt x="1365685" y="49457"/>
-                  </a:lnTo>
-                  <a:lnTo>
-                    <a:pt x="1286366" y="67233"/>
-                  </a:lnTo>
-                  <a:lnTo>
-                    <a:pt x="1207695" y="87688"/>
-                  </a:lnTo>
-                  <a:lnTo>
-                    <a:pt x="1129764" y="110800"/>
-                  </a:lnTo>
-                  <a:lnTo>
-                    <a:pt x="1052660" y="136541"/>
-                  </a:lnTo>
-                  <a:lnTo>
-                    <a:pt x="976475" y="164881"/>
-                  </a:lnTo>
-                  <a:lnTo>
-                    <a:pt x="901294" y="195789"/>
-                  </a:lnTo>
-                  <a:lnTo>
-                    <a:pt x="827204" y="229229"/>
-                  </a:lnTo>
-                  <a:lnTo>
-                    <a:pt x="754291" y="265161"/>
-                  </a:lnTo>
-                  <a:lnTo>
-                    <a:pt x="682638" y="303546"/>
-                  </a:lnTo>
-                  <a:lnTo>
-                    <a:pt x="612328" y="344338"/>
-                  </a:lnTo>
-                  <a:lnTo>
-                    <a:pt x="543442" y="387491"/>
-                  </a:lnTo>
-                  <a:lnTo>
-                    <a:pt x="476059" y="432956"/>
-                  </a:lnTo>
-                  <a:lnTo>
-                    <a:pt x="410257" y="480679"/>
-                  </a:lnTo>
-                  <a:lnTo>
-                    <a:pt x="346110" y="530606"/>
-                  </a:lnTo>
-                  <a:lnTo>
-                    <a:pt x="283694" y="582680"/>
-                  </a:lnTo>
-                  <a:lnTo>
-                    <a:pt x="223079" y="636840"/>
-                  </a:lnTo>
-                  <a:lnTo>
-                    <a:pt x="164336" y="693025"/>
-                  </a:lnTo>
-                  <a:lnTo>
-                    <a:pt x="107532" y="751169"/>
-                  </a:lnTo>
-                  <a:lnTo>
-                    <a:pt x="52732" y="811207"/>
-                  </a:lnTo>
-                  <a:lnTo>
-                    <a:pt x="0" y="873068"/>
-                  </a:lnTo>
-                  <a:lnTo>
-                    <a:pt x="63795" y="925607"/>
-                  </a:lnTo>
-                  <a:lnTo>
-                    <a:pt x="127590" y="978147"/>
-                  </a:lnTo>
-                  <a:lnTo>
-                    <a:pt x="191386" y="1030687"/>
-                  </a:lnTo>
-                  <a:lnTo>
-                    <a:pt x="255181" y="1083226"/>
-                  </a:lnTo>
-                  <a:lnTo>
-                    <a:pt x="318977" y="1135766"/>
-                  </a:lnTo>
-                  <a:lnTo>
-                    <a:pt x="382772" y="1188306"/>
-                  </a:lnTo>
-                  <a:lnTo>
-                    <a:pt x="446568" y="1240845"/>
-                  </a:lnTo>
-                  <a:lnTo>
-                    <a:pt x="510363" y="1293385"/>
-                  </a:lnTo>
-                  <a:lnTo>
-                    <a:pt x="574158" y="1345925"/>
-                  </a:lnTo>
-                  <a:lnTo>
-                    <a:pt x="637954" y="1398465"/>
-                  </a:lnTo>
-                  <a:lnTo>
-                    <a:pt x="701749" y="1451004"/>
-                  </a:lnTo>
-                  <a:lnTo>
-                    <a:pt x="765545" y="1503544"/>
-                  </a:lnTo>
-                  <a:lnTo>
-                    <a:pt x="829340" y="1556084"/>
-                  </a:lnTo>
-                  <a:lnTo>
-                    <a:pt x="893136" y="1608623"/>
-                  </a:lnTo>
-                  <a:lnTo>
-                    <a:pt x="956931" y="1661163"/>
-                  </a:lnTo>
-                  <a:lnTo>
-                    <a:pt x="1020727" y="1713703"/>
-                  </a:lnTo>
-                  <a:lnTo>
-                    <a:pt x="1084522" y="1766243"/>
-                  </a:lnTo>
-                  <a:lnTo>
-                    <a:pt x="1148317" y="1818782"/>
-                  </a:lnTo>
-                  <a:lnTo>
-                    <a:pt x="1212113" y="1871322"/>
-                  </a:lnTo>
-                  <a:lnTo>
-                    <a:pt x="1275908" y="1923862"/>
-                  </a:lnTo>
-                  <a:lnTo>
-                    <a:pt x="1339704" y="1976401"/>
-                  </a:lnTo>
-                  <a:lnTo>
-                    <a:pt x="1403499" y="2028941"/>
-                  </a:lnTo>
-                  <a:lnTo>
-                    <a:pt x="1467295" y="2081481"/>
-                  </a:lnTo>
-                  <a:lnTo>
-                    <a:pt x="1531090" y="2134021"/>
-                  </a:lnTo>
-                  <a:lnTo>
-                    <a:pt x="1594886" y="2186560"/>
-                  </a:lnTo>
-                  <a:lnTo>
-                    <a:pt x="1658681" y="2239100"/>
-                  </a:lnTo>
-                  <a:lnTo>
-                    <a:pt x="1722476" y="2291640"/>
-                  </a:lnTo>
-                  <a:lnTo>
-                    <a:pt x="1786272" y="2344179"/>
+                    <a:pt x="1922464" y="2314074"/>
+                  </a:lnTo>
+                  <a:lnTo>
+                    <a:pt x="1922464" y="2231428"/>
+                  </a:lnTo>
+                  <a:lnTo>
+                    <a:pt x="1922464" y="2148783"/>
+                  </a:lnTo>
+                  <a:lnTo>
+                    <a:pt x="1922464" y="2066137"/>
+                  </a:lnTo>
+                  <a:lnTo>
+                    <a:pt x="1922464" y="1983492"/>
+                  </a:lnTo>
+                  <a:lnTo>
+                    <a:pt x="1922464" y="1900846"/>
+                  </a:lnTo>
+                  <a:lnTo>
+                    <a:pt x="1922464" y="1818201"/>
+                  </a:lnTo>
+                  <a:lnTo>
+                    <a:pt x="1922464" y="1735555"/>
+                  </a:lnTo>
+                  <a:lnTo>
+                    <a:pt x="1922464" y="1652910"/>
+                  </a:lnTo>
+                  <a:lnTo>
+                    <a:pt x="1922464" y="1570264"/>
+                  </a:lnTo>
+                  <a:lnTo>
+                    <a:pt x="1922464" y="1487619"/>
+                  </a:lnTo>
+                  <a:lnTo>
+                    <a:pt x="1922464" y="1404973"/>
+                  </a:lnTo>
+                  <a:lnTo>
+                    <a:pt x="1922464" y="1322328"/>
+                  </a:lnTo>
+                  <a:lnTo>
+                    <a:pt x="1922464" y="1239682"/>
+                  </a:lnTo>
+                  <a:lnTo>
+                    <a:pt x="1922464" y="1157037"/>
+                  </a:lnTo>
+                  <a:lnTo>
+                    <a:pt x="1922464" y="1074391"/>
+                  </a:lnTo>
+                  <a:lnTo>
+                    <a:pt x="1922464" y="991746"/>
+                  </a:lnTo>
+                  <a:lnTo>
+                    <a:pt x="1922464" y="909100"/>
+                  </a:lnTo>
+                  <a:lnTo>
+                    <a:pt x="1922464" y="826455"/>
+                  </a:lnTo>
+                  <a:lnTo>
+                    <a:pt x="1922464" y="743809"/>
+                  </a:lnTo>
+                  <a:lnTo>
+                    <a:pt x="1922464" y="661164"/>
+                  </a:lnTo>
+                  <a:lnTo>
+                    <a:pt x="1922464" y="578518"/>
+                  </a:lnTo>
+                  <a:lnTo>
+                    <a:pt x="1922464" y="495873"/>
+                  </a:lnTo>
+                  <a:lnTo>
+                    <a:pt x="1922464" y="413227"/>
+                  </a:lnTo>
+                  <a:lnTo>
+                    <a:pt x="1922464" y="330582"/>
+                  </a:lnTo>
+                  <a:lnTo>
+                    <a:pt x="1922464" y="247936"/>
+                  </a:lnTo>
+                  <a:lnTo>
+                    <a:pt x="1922464" y="165291"/>
+                  </a:lnTo>
+                  <a:lnTo>
+                    <a:pt x="1922464" y="82645"/>
+                  </a:lnTo>
+                  <a:lnTo>
+                    <a:pt x="1922464" y="0"/>
+                  </a:lnTo>
+                  <a:lnTo>
+                    <a:pt x="1839852" y="1424"/>
+                  </a:lnTo>
+                  <a:lnTo>
+                    <a:pt x="1757338" y="5695"/>
+                  </a:lnTo>
+                  <a:lnTo>
+                    <a:pt x="1675020" y="12807"/>
+                  </a:lnTo>
+                  <a:lnTo>
+                    <a:pt x="1592997" y="22753"/>
+                  </a:lnTo>
+                  <a:lnTo>
+                    <a:pt x="1511365" y="35520"/>
+                  </a:lnTo>
+                  <a:lnTo>
+                    <a:pt x="1430221" y="51093"/>
+                  </a:lnTo>
+                  <a:lnTo>
+                    <a:pt x="1349663" y="69454"/>
+                  </a:lnTo>
+                  <a:lnTo>
+                    <a:pt x="1269785" y="90581"/>
+                  </a:lnTo>
+                  <a:lnTo>
+                    <a:pt x="1190683" y="114448"/>
+                  </a:lnTo>
+                  <a:lnTo>
+                    <a:pt x="1112451" y="141028"/>
+                  </a:lnTo>
+                  <a:lnTo>
+                    <a:pt x="1035181" y="170288"/>
+                  </a:lnTo>
+                  <a:lnTo>
+                    <a:pt x="958966" y="202195"/>
+                  </a:lnTo>
+                  <a:lnTo>
+                    <a:pt x="883896" y="236710"/>
+                  </a:lnTo>
+                  <a:lnTo>
+                    <a:pt x="810060" y="273791"/>
+                  </a:lnTo>
+                  <a:lnTo>
+                    <a:pt x="737546" y="313396"/>
+                  </a:lnTo>
+                  <a:lnTo>
+                    <a:pt x="666441" y="355477"/>
+                  </a:lnTo>
+                  <a:lnTo>
+                    <a:pt x="596828" y="399983"/>
+                  </a:lnTo>
+                  <a:lnTo>
+                    <a:pt x="528790" y="446863"/>
+                  </a:lnTo>
+                  <a:lnTo>
+                    <a:pt x="462409" y="496060"/>
+                  </a:lnTo>
+                  <a:lnTo>
+                    <a:pt x="397764" y="547516"/>
+                  </a:lnTo>
+                  <a:lnTo>
+                    <a:pt x="334930" y="601169"/>
+                  </a:lnTo>
+                  <a:lnTo>
+                    <a:pt x="273983" y="656956"/>
+                  </a:lnTo>
+                  <a:lnTo>
+                    <a:pt x="214995" y="714811"/>
+                  </a:lnTo>
+                  <a:lnTo>
+                    <a:pt x="158036" y="774665"/>
+                  </a:lnTo>
+                  <a:lnTo>
+                    <a:pt x="103174" y="836447"/>
+                  </a:lnTo>
+                  <a:lnTo>
+                    <a:pt x="50474" y="900083"/>
+                  </a:lnTo>
+                  <a:lnTo>
+                    <a:pt x="0" y="965497"/>
+                  </a:lnTo>
+                  <a:lnTo>
+                    <a:pt x="66291" y="1014850"/>
+                  </a:lnTo>
+                  <a:lnTo>
+                    <a:pt x="132583" y="1064202"/>
+                  </a:lnTo>
+                  <a:lnTo>
+                    <a:pt x="198875" y="1113555"/>
+                  </a:lnTo>
+                  <a:lnTo>
+                    <a:pt x="265167" y="1162907"/>
+                  </a:lnTo>
+                  <a:lnTo>
+                    <a:pt x="331459" y="1212260"/>
+                  </a:lnTo>
+                  <a:lnTo>
+                    <a:pt x="397751" y="1261612"/>
+                  </a:lnTo>
+                  <a:lnTo>
+                    <a:pt x="464043" y="1310965"/>
+                  </a:lnTo>
+                  <a:lnTo>
+                    <a:pt x="530335" y="1360317"/>
+                  </a:lnTo>
+                  <a:lnTo>
+                    <a:pt x="596626" y="1409670"/>
+                  </a:lnTo>
+                  <a:lnTo>
+                    <a:pt x="662918" y="1459022"/>
+                  </a:lnTo>
+                  <a:lnTo>
+                    <a:pt x="729210" y="1508375"/>
+                  </a:lnTo>
+                  <a:lnTo>
+                    <a:pt x="795502" y="1557727"/>
+                  </a:lnTo>
+                  <a:lnTo>
+                    <a:pt x="861794" y="1607080"/>
+                  </a:lnTo>
+                  <a:lnTo>
+                    <a:pt x="928086" y="1656432"/>
+                  </a:lnTo>
+                  <a:lnTo>
+                    <a:pt x="994378" y="1705784"/>
+                  </a:lnTo>
+                  <a:lnTo>
+                    <a:pt x="1060670" y="1755137"/>
+                  </a:lnTo>
+                  <a:lnTo>
+                    <a:pt x="1126961" y="1804489"/>
+                  </a:lnTo>
+                  <a:lnTo>
+                    <a:pt x="1193253" y="1853842"/>
+                  </a:lnTo>
+                  <a:lnTo>
+                    <a:pt x="1259545" y="1903194"/>
+                  </a:lnTo>
+                  <a:lnTo>
+                    <a:pt x="1325837" y="1952547"/>
+                  </a:lnTo>
+                  <a:lnTo>
+                    <a:pt x="1392129" y="2001899"/>
+                  </a:lnTo>
+                  <a:lnTo>
+                    <a:pt x="1458421" y="2051252"/>
+                  </a:lnTo>
+                  <a:lnTo>
+                    <a:pt x="1524713" y="2100604"/>
+                  </a:lnTo>
+                  <a:lnTo>
+                    <a:pt x="1591005" y="2149957"/>
+                  </a:lnTo>
+                  <a:lnTo>
+                    <a:pt x="1657296" y="2199309"/>
+                  </a:lnTo>
+                  <a:lnTo>
+                    <a:pt x="1723588" y="2248662"/>
+                  </a:lnTo>
+                  <a:lnTo>
+                    <a:pt x="1789880" y="2298014"/>
+                  </a:lnTo>
+                  <a:lnTo>
+                    <a:pt x="1856172" y="2347367"/>
                   </a:lnTo>
                   <a:close/>
                 </a:path>
@@ -3920,7 +3920,7 @@
           </p:nvSpPr>
           <p:spPr>
             <a:xfrm>
-              <a:off x="4509473" y="2596302"/>
+              <a:off x="4514475" y="2596103"/>
               <a:ext cx="1566579" cy="157737"/>
             </a:xfrm>
             <a:prstGeom prst="rect">
@@ -3966,7 +3966,7 @@
           </p:nvSpPr>
           <p:spPr>
             <a:xfrm>
-              <a:off x="4864859" y="2902686"/>
+              <a:off x="4869861" y="2902487"/>
               <a:ext cx="855806" cy="163560"/>
             </a:xfrm>
             <a:prstGeom prst="rect">
@@ -3999,7 +3999,7 @@
                   <a:latin typeface="Arial"/>
                   <a:cs typeface="Arial"/>
                 </a:rPr>
-                <a:t> 2.632 %</a:t>
+                <a:t> 2.778 %</a:t>
               </a:r>
             </a:p>
           </p:txBody>
@@ -4012,7 +4012,7 @@
           </p:nvSpPr>
           <p:spPr>
             <a:xfrm>
-              <a:off x="5281474" y="3292555"/>
+              <a:off x="5322218" y="3305786"/>
               <a:ext cx="2036510" cy="157737"/>
             </a:xfrm>
             <a:prstGeom prst="rect">
@@ -4058,7 +4058,7 @@
           </p:nvSpPr>
           <p:spPr>
             <a:xfrm>
-              <a:off x="5871826" y="3598939"/>
+              <a:off x="5912570" y="3612170"/>
               <a:ext cx="855806" cy="163560"/>
             </a:xfrm>
             <a:prstGeom prst="rect">
@@ -4091,7 +4091,7 @@
                   <a:latin typeface="Arial"/>
                   <a:cs typeface="Arial"/>
                 </a:rPr>
-                <a:t> 8.772 %</a:t>
+                <a:t> 9.259 %</a:t>
               </a:r>
             </a:p>
           </p:txBody>
@@ -4104,7 +4104,7 @@
           </p:nvSpPr>
           <p:spPr>
             <a:xfrm>
-              <a:off x="6371195" y="3854753"/>
+              <a:off x="6400047" y="3926313"/>
               <a:ext cx="1012168" cy="198283"/>
             </a:xfrm>
             <a:prstGeom prst="rect">
@@ -4150,7 +4150,7 @@
           </p:nvSpPr>
           <p:spPr>
             <a:xfrm>
-              <a:off x="6389087" y="4201683"/>
+              <a:off x="6417938" y="4273243"/>
               <a:ext cx="976386" cy="163560"/>
             </a:xfrm>
             <a:prstGeom prst="rect">
@@ -4183,7 +4183,7 @@
                   <a:latin typeface="Arial"/>
                   <a:cs typeface="Arial"/>
                 </a:rPr>
-                <a:t> 14.035 %</a:t>
+                <a:t> 14.815 %</a:t>
               </a:r>
             </a:p>
           </p:txBody>
@@ -4196,7 +4196,7 @@
           </p:nvSpPr>
           <p:spPr>
             <a:xfrm>
-              <a:off x="4756196" y="4872201"/>
+              <a:off x="4734010" y="4863527"/>
               <a:ext cx="1205158" cy="198283"/>
             </a:xfrm>
             <a:prstGeom prst="rect">
@@ -4242,7 +4242,7 @@
           </p:nvSpPr>
           <p:spPr>
             <a:xfrm>
-              <a:off x="4870583" y="5219130"/>
+              <a:off x="4848397" y="5210457"/>
               <a:ext cx="976386" cy="163560"/>
             </a:xfrm>
             <a:prstGeom prst="rect">
@@ -4275,7 +4275,7 @@
                   <a:latin typeface="Arial"/>
                   <a:cs typeface="Arial"/>
                 </a:rPr>
-                <a:t> 60.526 %</a:t>
+                <a:t> 58.333 %</a:t>
               </a:r>
             </a:p>
           </p:txBody>
@@ -4288,7 +4288,7 @@
           </p:nvSpPr>
           <p:spPr>
             <a:xfrm>
-              <a:off x="4033791" y="3252436"/>
+              <a:off x="4074274" y="3265142"/>
               <a:ext cx="1156990" cy="198283"/>
             </a:xfrm>
             <a:prstGeom prst="rect">
@@ -4334,7 +4334,7 @@
           </p:nvSpPr>
           <p:spPr>
             <a:xfrm>
-              <a:off x="4124093" y="3599366"/>
+              <a:off x="4164576" y="3612072"/>
               <a:ext cx="976386" cy="163560"/>
             </a:xfrm>
             <a:prstGeom prst="rect">
@@ -4367,7 +4367,7 @@
                   <a:latin typeface="Arial"/>
                   <a:cs typeface="Arial"/>
                 </a:rPr>
-                <a:t> 14.035 %</a:t>
+                <a:t> 14.815 %</a:t>
               </a:r>
             </a:p>
           </p:txBody>

--- a/Images/Figures_PPT/SARPieWithRictor.pptx
+++ b/Images/Figures_PPT/SARPieWithRictor.pptx
@@ -3920,7 +3920,7 @@
           </p:nvSpPr>
           <p:spPr>
             <a:xfrm>
-              <a:off x="4514475" y="2596103"/>
+              <a:off x="4514574" y="2596253"/>
               <a:ext cx="1566579" cy="157737"/>
             </a:xfrm>
             <a:prstGeom prst="rect">
@@ -3966,7 +3966,7 @@
           </p:nvSpPr>
           <p:spPr>
             <a:xfrm>
-              <a:off x="4869861" y="2902487"/>
+              <a:off x="4869960" y="2902637"/>
               <a:ext cx="855806" cy="163560"/>
             </a:xfrm>
             <a:prstGeom prst="rect">
@@ -4012,7 +4012,7 @@
           </p:nvSpPr>
           <p:spPr>
             <a:xfrm>
-              <a:off x="5322218" y="3305786"/>
+              <a:off x="5310913" y="3305240"/>
               <a:ext cx="2036510" cy="157737"/>
             </a:xfrm>
             <a:prstGeom prst="rect">
@@ -4058,7 +4058,7 @@
           </p:nvSpPr>
           <p:spPr>
             <a:xfrm>
-              <a:off x="5912570" y="3612170"/>
+              <a:off x="5901265" y="3611624"/>
               <a:ext cx="855806" cy="163560"/>
             </a:xfrm>
             <a:prstGeom prst="rect">
@@ -4104,7 +4104,7 @@
           </p:nvSpPr>
           <p:spPr>
             <a:xfrm>
-              <a:off x="6400047" y="3926313"/>
+              <a:off x="6400122" y="3926206"/>
               <a:ext cx="1012168" cy="198283"/>
             </a:xfrm>
             <a:prstGeom prst="rect">
@@ -4150,7 +4150,7 @@
           </p:nvSpPr>
           <p:spPr>
             <a:xfrm>
-              <a:off x="6417938" y="4273243"/>
+              <a:off x="6418013" y="4273136"/>
               <a:ext cx="976386" cy="163560"/>
             </a:xfrm>
             <a:prstGeom prst="rect">
@@ -4196,7 +4196,7 @@
           </p:nvSpPr>
           <p:spPr>
             <a:xfrm>
-              <a:off x="4734010" y="4863527"/>
+              <a:off x="4733683" y="4863761"/>
               <a:ext cx="1205158" cy="198283"/>
             </a:xfrm>
             <a:prstGeom prst="rect">
@@ -4242,7 +4242,7 @@
           </p:nvSpPr>
           <p:spPr>
             <a:xfrm>
-              <a:off x="4848397" y="5210457"/>
+              <a:off x="4848070" y="5210691"/>
               <a:ext cx="976386" cy="163560"/>
             </a:xfrm>
             <a:prstGeom prst="rect">
@@ -4288,7 +4288,7 @@
           </p:nvSpPr>
           <p:spPr>
             <a:xfrm>
-              <a:off x="4074274" y="3265142"/>
+              <a:off x="4063469" y="3265205"/>
               <a:ext cx="1156990" cy="198283"/>
             </a:xfrm>
             <a:prstGeom prst="rect">
@@ -4334,7 +4334,7 @@
           </p:nvSpPr>
           <p:spPr>
             <a:xfrm>
-              <a:off x="4164576" y="3612072"/>
+              <a:off x="4153771" y="3612135"/>
               <a:ext cx="976386" cy="163560"/>
             </a:xfrm>
             <a:prstGeom prst="rect">

--- a/Images/Figures_PPT/SARPieWithRictor.pptx
+++ b/Images/Figures_PPT/SARPieWithRictor.pptx
@@ -3920,7 +3920,7 @@
           </p:nvSpPr>
           <p:spPr>
             <a:xfrm>
-              <a:off x="4514574" y="2596253"/>
+              <a:off x="4514372" y="2596005"/>
               <a:ext cx="1566579" cy="157737"/>
             </a:xfrm>
             <a:prstGeom prst="rect">
@@ -3966,7 +3966,7 @@
           </p:nvSpPr>
           <p:spPr>
             <a:xfrm>
-              <a:off x="4869960" y="2902637"/>
+              <a:off x="4869758" y="2902389"/>
               <a:ext cx="855806" cy="163560"/>
             </a:xfrm>
             <a:prstGeom prst="rect">
@@ -4012,7 +4012,7 @@
           </p:nvSpPr>
           <p:spPr>
             <a:xfrm>
-              <a:off x="5310913" y="3305240"/>
+              <a:off x="5310990" y="3306071"/>
               <a:ext cx="2036510" cy="157737"/>
             </a:xfrm>
             <a:prstGeom prst="rect">
@@ -4058,7 +4058,7 @@
           </p:nvSpPr>
           <p:spPr>
             <a:xfrm>
-              <a:off x="5901265" y="3611624"/>
+              <a:off x="5901343" y="3612455"/>
               <a:ext cx="855806" cy="163560"/>
             </a:xfrm>
             <a:prstGeom prst="rect">
@@ -4104,7 +4104,7 @@
           </p:nvSpPr>
           <p:spPr>
             <a:xfrm>
-              <a:off x="6400122" y="3926206"/>
+              <a:off x="6400048" y="3926316"/>
               <a:ext cx="1012168" cy="198283"/>
             </a:xfrm>
             <a:prstGeom prst="rect">
@@ -4150,7 +4150,7 @@
           </p:nvSpPr>
           <p:spPr>
             <a:xfrm>
-              <a:off x="6418013" y="4273136"/>
+              <a:off x="6417939" y="4273246"/>
               <a:ext cx="976386" cy="163560"/>
             </a:xfrm>
             <a:prstGeom prst="rect">
@@ -4196,7 +4196,7 @@
           </p:nvSpPr>
           <p:spPr>
             <a:xfrm>
-              <a:off x="4733683" y="4863761"/>
+              <a:off x="4147950" y="5449762"/>
               <a:ext cx="1205158" cy="198283"/>
             </a:xfrm>
             <a:prstGeom prst="rect">
@@ -4242,7 +4242,7 @@
           </p:nvSpPr>
           <p:spPr>
             <a:xfrm>
-              <a:off x="4848070" y="5210691"/>
+              <a:off x="4262337" y="5796692"/>
               <a:ext cx="976386" cy="163560"/>
             </a:xfrm>
             <a:prstGeom prst="rect">
@@ -4288,7 +4288,7 @@
           </p:nvSpPr>
           <p:spPr>
             <a:xfrm>
-              <a:off x="4063469" y="3265205"/>
+              <a:off x="4062942" y="3265185"/>
               <a:ext cx="1156990" cy="198283"/>
             </a:xfrm>
             <a:prstGeom prst="rect">
@@ -4334,7 +4334,7 @@
           </p:nvSpPr>
           <p:spPr>
             <a:xfrm>
-              <a:off x="4153771" y="3612135"/>
+              <a:off x="4153244" y="3612115"/>
               <a:ext cx="976386" cy="163560"/>
             </a:xfrm>
             <a:prstGeom prst="rect">

--- a/Images/Figures_PPT/SARPieWithRictor.pptx
+++ b/Images/Figures_PPT/SARPieWithRictor.pptx
@@ -3920,7 +3920,7 @@
           </p:nvSpPr>
           <p:spPr>
             <a:xfrm>
-              <a:off x="4514372" y="2596005"/>
+              <a:off x="4514402" y="2595994"/>
               <a:ext cx="1566579" cy="157737"/>
             </a:xfrm>
             <a:prstGeom prst="rect">
@@ -3966,7 +3966,7 @@
           </p:nvSpPr>
           <p:spPr>
             <a:xfrm>
-              <a:off x="4869758" y="2902389"/>
+              <a:off x="4869788" y="2902378"/>
               <a:ext cx="855806" cy="163560"/>
             </a:xfrm>
             <a:prstGeom prst="rect">
@@ -4012,7 +4012,7 @@
           </p:nvSpPr>
           <p:spPr>
             <a:xfrm>
-              <a:off x="5310990" y="3306071"/>
+              <a:off x="5321901" y="3305902"/>
               <a:ext cx="2036510" cy="157737"/>
             </a:xfrm>
             <a:prstGeom prst="rect">
@@ -4058,7 +4058,7 @@
           </p:nvSpPr>
           <p:spPr>
             <a:xfrm>
-              <a:off x="5901343" y="3612455"/>
+              <a:off x="5912253" y="3612285"/>
               <a:ext cx="855806" cy="163560"/>
             </a:xfrm>
             <a:prstGeom prst="rect">
@@ -4150,7 +4150,7 @@
           </p:nvSpPr>
           <p:spPr>
             <a:xfrm>
-              <a:off x="6417939" y="4273246"/>
+              <a:off x="6417939" y="4273245"/>
               <a:ext cx="976386" cy="163560"/>
             </a:xfrm>
             <a:prstGeom prst="rect">
@@ -4196,7 +4196,7 @@
           </p:nvSpPr>
           <p:spPr>
             <a:xfrm>
-              <a:off x="4147950" y="5449762"/>
+              <a:off x="4734393" y="4863294"/>
               <a:ext cx="1205158" cy="198283"/>
             </a:xfrm>
             <a:prstGeom prst="rect">
@@ -4242,7 +4242,7 @@
           </p:nvSpPr>
           <p:spPr>
             <a:xfrm>
-              <a:off x="4262337" y="5796692"/>
+              <a:off x="4848779" y="5210223"/>
               <a:ext cx="976386" cy="163560"/>
             </a:xfrm>
             <a:prstGeom prst="rect">
@@ -4288,7 +4288,7 @@
           </p:nvSpPr>
           <p:spPr>
             <a:xfrm>
-              <a:off x="4062942" y="3265185"/>
+              <a:off x="4073707" y="3265146"/>
               <a:ext cx="1156990" cy="198283"/>
             </a:xfrm>
             <a:prstGeom prst="rect">
@@ -4334,7 +4334,7 @@
           </p:nvSpPr>
           <p:spPr>
             <a:xfrm>
-              <a:off x="4153244" y="3612115"/>
+              <a:off x="4164009" y="3612075"/>
               <a:ext cx="976386" cy="163560"/>
             </a:xfrm>
             <a:prstGeom prst="rect">

--- a/Images/Figures_PPT/SARPieWithRictor.pptx
+++ b/Images/Figures_PPT/SARPieWithRictor.pptx
@@ -3920,7 +3920,7 @@
           </p:nvSpPr>
           <p:spPr>
             <a:xfrm>
-              <a:off x="4514402" y="2595994"/>
+              <a:off x="4514382" y="2596010"/>
               <a:ext cx="1566579" cy="157737"/>
             </a:xfrm>
             <a:prstGeom prst="rect">
@@ -3966,7 +3966,7 @@
           </p:nvSpPr>
           <p:spPr>
             <a:xfrm>
-              <a:off x="4869788" y="2902378"/>
+              <a:off x="4869768" y="2902394"/>
               <a:ext cx="855806" cy="163560"/>
             </a:xfrm>
             <a:prstGeom prst="rect">
@@ -4012,7 +4012,7 @@
           </p:nvSpPr>
           <p:spPr>
             <a:xfrm>
-              <a:off x="5321901" y="3305902"/>
+              <a:off x="5319594" y="3305100"/>
               <a:ext cx="2036510" cy="157737"/>
             </a:xfrm>
             <a:prstGeom prst="rect">
@@ -4058,7 +4058,7 @@
           </p:nvSpPr>
           <p:spPr>
             <a:xfrm>
-              <a:off x="5912253" y="3612285"/>
+              <a:off x="5909946" y="3611484"/>
               <a:ext cx="855806" cy="163560"/>
             </a:xfrm>
             <a:prstGeom prst="rect">
@@ -4104,7 +4104,7 @@
           </p:nvSpPr>
           <p:spPr>
             <a:xfrm>
-              <a:off x="6400048" y="3926316"/>
+              <a:off x="6400058" y="3926325"/>
               <a:ext cx="1012168" cy="198283"/>
             </a:xfrm>
             <a:prstGeom prst="rect">
@@ -4150,7 +4150,7 @@
           </p:nvSpPr>
           <p:spPr>
             <a:xfrm>
-              <a:off x="6417939" y="4273245"/>
+              <a:off x="6417949" y="4273255"/>
               <a:ext cx="976386" cy="163560"/>
             </a:xfrm>
             <a:prstGeom prst="rect">
@@ -4196,7 +4196,7 @@
           </p:nvSpPr>
           <p:spPr>
             <a:xfrm>
-              <a:off x="4734393" y="4863294"/>
+              <a:off x="4734724" y="4862962"/>
               <a:ext cx="1205158" cy="198283"/>
             </a:xfrm>
             <a:prstGeom prst="rect">
@@ -4242,7 +4242,7 @@
           </p:nvSpPr>
           <p:spPr>
             <a:xfrm>
-              <a:off x="4848779" y="5210223"/>
+              <a:off x="4849110" y="5209892"/>
               <a:ext cx="976386" cy="163560"/>
             </a:xfrm>
             <a:prstGeom prst="rect">
@@ -4288,7 +4288,7 @@
           </p:nvSpPr>
           <p:spPr>
             <a:xfrm>
-              <a:off x="4073707" y="3265146"/>
+              <a:off x="4071963" y="3265476"/>
               <a:ext cx="1156990" cy="198283"/>
             </a:xfrm>
             <a:prstGeom prst="rect">
@@ -4334,7 +4334,7 @@
           </p:nvSpPr>
           <p:spPr>
             <a:xfrm>
-              <a:off x="4164009" y="3612075"/>
+              <a:off x="4162266" y="3612406"/>
               <a:ext cx="976386" cy="163560"/>
             </a:xfrm>
             <a:prstGeom prst="rect">
